--- a/Unit 2/Leppla_Andrew_Unit2.pptx
+++ b/Unit 2/Leppla_Andrew_Unit2.pptx
@@ -118,7 +118,183 @@
       </a:defRPr>
     </a:lvl9pPr>
   </p:defaultTextStyle>
+  <p:extLst>
+    <p:ext uri="{EFAFB233-063F-42B5-8137-9DF3F51BA10A}">
+      <p15:sldGuideLst xmlns:p15="http://schemas.microsoft.com/office/powerpoint/2012/main"/>
+    </p:ext>
+  </p:extLst>
 </p:presentation>
+</file>
+
+<file path=ppt/revisionInfo.xml><?xml version="1.0" encoding="utf-8"?>
+<p1510:revInfo xmlns:a="http://schemas.openxmlformats.org/drawingml/2006/main" xmlns:r="http://schemas.openxmlformats.org/officeDocument/2006/relationships" xmlns:p1510="http://schemas.microsoft.com/office/powerpoint/2015/10/main">
+  <p1510:revLst>
+    <p1510:client id="{8BBA55CC-E69B-4EFF-80E6-1DDD988AE253}" v="11" dt="2020-01-11T20:52:45.506"/>
+  </p1510:revLst>
+</p1510:revInfo>
+</file>
+
+<file path=ppt/changesInfos/changesInfo1.xml><?xml version="1.0" encoding="utf-8"?>
+<pc:chgInfo xmlns:a="http://schemas.openxmlformats.org/drawingml/2006/main" xmlns:r="http://schemas.openxmlformats.org/officeDocument/2006/relationships" xmlns:ac="http://schemas.microsoft.com/office/drawing/2013/main/command" xmlns:pc="http://schemas.microsoft.com/office/powerpoint/2013/main/command">
+  <pc:docChgLst>
+    <pc:chgData name="Andrew Leppla" userId="6394ee99ff712b8c" providerId="LiveId" clId="{8BBA55CC-E69B-4EFF-80E6-1DDD988AE253}"/>
+    <pc:docChg chg="undo custSel modSld">
+      <pc:chgData name="Andrew Leppla" userId="6394ee99ff712b8c" providerId="LiveId" clId="{8BBA55CC-E69B-4EFF-80E6-1DDD988AE253}" dt="2020-01-11T20:57:42.527" v="738" actId="404"/>
+      <pc:docMkLst>
+        <pc:docMk/>
+      </pc:docMkLst>
+      <pc:sldChg chg="modSp">
+        <pc:chgData name="Andrew Leppla" userId="6394ee99ff712b8c" providerId="LiveId" clId="{8BBA55CC-E69B-4EFF-80E6-1DDD988AE253}" dt="2020-01-11T20:42:49.715" v="622" actId="20577"/>
+        <pc:sldMkLst>
+          <pc:docMk/>
+          <pc:sldMk cId="1079011571" sldId="258"/>
+        </pc:sldMkLst>
+        <pc:spChg chg="mod">
+          <ac:chgData name="Andrew Leppla" userId="6394ee99ff712b8c" providerId="LiveId" clId="{8BBA55CC-E69B-4EFF-80E6-1DDD988AE253}" dt="2020-01-11T20:42:49.715" v="622" actId="20577"/>
+          <ac:spMkLst>
+            <pc:docMk/>
+            <pc:sldMk cId="1079011571" sldId="258"/>
+            <ac:spMk id="3" creationId="{00000000-0000-0000-0000-000000000000}"/>
+          </ac:spMkLst>
+        </pc:spChg>
+      </pc:sldChg>
+      <pc:sldChg chg="addSp delSp modSp">
+        <pc:chgData name="Andrew Leppla" userId="6394ee99ff712b8c" providerId="LiveId" clId="{8BBA55CC-E69B-4EFF-80E6-1DDD988AE253}" dt="2020-01-11T20:57:42.527" v="738" actId="404"/>
+        <pc:sldMkLst>
+          <pc:docMk/>
+          <pc:sldMk cId="471780161" sldId="266"/>
+        </pc:sldMkLst>
+        <pc:spChg chg="mod">
+          <ac:chgData name="Andrew Leppla" userId="6394ee99ff712b8c" providerId="LiveId" clId="{8BBA55CC-E69B-4EFF-80E6-1DDD988AE253}" dt="2020-01-11T20:57:42.527" v="738" actId="404"/>
+          <ac:spMkLst>
+            <pc:docMk/>
+            <pc:sldMk cId="471780161" sldId="266"/>
+            <ac:spMk id="2" creationId="{00000000-0000-0000-0000-000000000000}"/>
+          </ac:spMkLst>
+        </pc:spChg>
+        <pc:spChg chg="del">
+          <ac:chgData name="Andrew Leppla" userId="6394ee99ff712b8c" providerId="LiveId" clId="{8BBA55CC-E69B-4EFF-80E6-1DDD988AE253}" dt="2020-01-11T20:23:52.528" v="0"/>
+          <ac:spMkLst>
+            <pc:docMk/>
+            <pc:sldMk cId="471780161" sldId="266"/>
+            <ac:spMk id="3" creationId="{00000000-0000-0000-0000-000000000000}"/>
+          </ac:spMkLst>
+        </pc:spChg>
+        <pc:spChg chg="add del mod">
+          <ac:chgData name="Andrew Leppla" userId="6394ee99ff712b8c" providerId="LiveId" clId="{8BBA55CC-E69B-4EFF-80E6-1DDD988AE253}" dt="2020-01-11T20:32:04.427" v="253"/>
+          <ac:spMkLst>
+            <pc:docMk/>
+            <pc:sldMk cId="471780161" sldId="266"/>
+            <ac:spMk id="19" creationId="{57AE3E0E-BA27-46A7-8DA7-C9E9F5005A37}"/>
+          </ac:spMkLst>
+        </pc:spChg>
+        <pc:spChg chg="add mod">
+          <ac:chgData name="Andrew Leppla" userId="6394ee99ff712b8c" providerId="LiveId" clId="{8BBA55CC-E69B-4EFF-80E6-1DDD988AE253}" dt="2020-01-11T20:41:03.345" v="582" actId="1076"/>
+          <ac:spMkLst>
+            <pc:docMk/>
+            <pc:sldMk cId="471780161" sldId="266"/>
+            <ac:spMk id="23" creationId="{8DDA1A3C-4E62-47F2-8269-12BDF52B3C2B}"/>
+          </ac:spMkLst>
+        </pc:spChg>
+        <pc:picChg chg="add del mod">
+          <ac:chgData name="Andrew Leppla" userId="6394ee99ff712b8c" providerId="LiveId" clId="{8BBA55CC-E69B-4EFF-80E6-1DDD988AE253}" dt="2020-01-11T20:31:59.450" v="252" actId="478"/>
+          <ac:picMkLst>
+            <pc:docMk/>
+            <pc:sldMk cId="471780161" sldId="266"/>
+            <ac:picMk id="4" creationId="{98711638-EB3F-43B9-81DD-4923148E5EB9}"/>
+          </ac:picMkLst>
+        </pc:picChg>
+        <pc:picChg chg="add mod ord">
+          <ac:chgData name="Andrew Leppla" userId="6394ee99ff712b8c" providerId="LiveId" clId="{8BBA55CC-E69B-4EFF-80E6-1DDD988AE253}" dt="2020-01-11T20:32:09.978" v="254" actId="167"/>
+          <ac:picMkLst>
+            <pc:docMk/>
+            <pc:sldMk cId="471780161" sldId="266"/>
+            <ac:picMk id="20" creationId="{9C08642D-782B-448C-93B3-270AB6F3BE86}"/>
+          </ac:picMkLst>
+        </pc:picChg>
+        <pc:cxnChg chg="add del mod">
+          <ac:chgData name="Andrew Leppla" userId="6394ee99ff712b8c" providerId="LiveId" clId="{8BBA55CC-E69B-4EFF-80E6-1DDD988AE253}" dt="2020-01-11T20:41:56.176" v="584" actId="1076"/>
+          <ac:cxnSpMkLst>
+            <pc:docMk/>
+            <pc:sldMk cId="471780161" sldId="266"/>
+            <ac:cxnSpMk id="6" creationId="{35A893AF-D86B-4A67-BB4B-F5DB63B42C08}"/>
+          </ac:cxnSpMkLst>
+        </pc:cxnChg>
+      </pc:sldChg>
+      <pc:sldChg chg="addSp delSp modSp modNotesTx">
+        <pc:chgData name="Andrew Leppla" userId="6394ee99ff712b8c" providerId="LiveId" clId="{8BBA55CC-E69B-4EFF-80E6-1DDD988AE253}" dt="2020-01-11T20:52:04.319" v="671" actId="20577"/>
+        <pc:sldMkLst>
+          <pc:docMk/>
+          <pc:sldMk cId="2145984571" sldId="267"/>
+        </pc:sldMkLst>
+        <pc:spChg chg="add del mod">
+          <ac:chgData name="Andrew Leppla" userId="6394ee99ff712b8c" providerId="LiveId" clId="{8BBA55CC-E69B-4EFF-80E6-1DDD988AE253}" dt="2020-01-11T20:48:48.439" v="624"/>
+          <ac:spMkLst>
+            <pc:docMk/>
+            <pc:sldMk cId="2145984571" sldId="267"/>
+            <ac:spMk id="4" creationId="{08582CBC-2E2E-4253-9490-395756E76B84}"/>
+          </ac:spMkLst>
+        </pc:spChg>
+        <pc:spChg chg="add del mod">
+          <ac:chgData name="Andrew Leppla" userId="6394ee99ff712b8c" providerId="LiveId" clId="{8BBA55CC-E69B-4EFF-80E6-1DDD988AE253}" dt="2020-01-11T20:50:20.397" v="661"/>
+          <ac:spMkLst>
+            <pc:docMk/>
+            <pc:sldMk cId="2145984571" sldId="267"/>
+            <ac:spMk id="8" creationId="{581645E6-B48A-48C8-BCB8-80449AB25053}"/>
+          </ac:spMkLst>
+        </pc:spChg>
+        <pc:spChg chg="add del mod">
+          <ac:chgData name="Andrew Leppla" userId="6394ee99ff712b8c" providerId="LiveId" clId="{8BBA55CC-E69B-4EFF-80E6-1DDD988AE253}" dt="2020-01-11T20:51:38.851" v="665"/>
+          <ac:spMkLst>
+            <pc:docMk/>
+            <pc:sldMk cId="2145984571" sldId="267"/>
+            <ac:spMk id="12" creationId="{268DF713-37F2-47E8-93F0-A82F79AEC888}"/>
+          </ac:spMkLst>
+        </pc:spChg>
+        <pc:picChg chg="add del mod">
+          <ac:chgData name="Andrew Leppla" userId="6394ee99ff712b8c" providerId="LiveId" clId="{8BBA55CC-E69B-4EFF-80E6-1DDD988AE253}" dt="2020-01-11T20:50:17.803" v="660" actId="478"/>
+          <ac:picMkLst>
+            <pc:docMk/>
+            <pc:sldMk cId="2145984571" sldId="267"/>
+            <ac:picMk id="5" creationId="{DC2FE35C-BA65-462C-AAEA-B96478F42D20}"/>
+          </ac:picMkLst>
+        </pc:picChg>
+        <pc:picChg chg="del">
+          <ac:chgData name="Andrew Leppla" userId="6394ee99ff712b8c" providerId="LiveId" clId="{8BBA55CC-E69B-4EFF-80E6-1DDD988AE253}" dt="2020-01-11T20:50:45.647" v="664" actId="478"/>
+          <ac:picMkLst>
+            <pc:docMk/>
+            <pc:sldMk cId="2145984571" sldId="267"/>
+            <ac:picMk id="6" creationId="{00000000-0000-0000-0000-000000000000}"/>
+          </ac:picMkLst>
+        </pc:picChg>
+        <pc:picChg chg="add mod">
+          <ac:chgData name="Andrew Leppla" userId="6394ee99ff712b8c" providerId="LiveId" clId="{8BBA55CC-E69B-4EFF-80E6-1DDD988AE253}" dt="2020-01-11T20:51:50.566" v="669" actId="14100"/>
+          <ac:picMkLst>
+            <pc:docMk/>
+            <pc:sldMk cId="2145984571" sldId="267"/>
+            <ac:picMk id="9" creationId="{8186081E-E5D5-437E-AE0B-ED42BE353B62}"/>
+          </ac:picMkLst>
+        </pc:picChg>
+        <pc:picChg chg="del">
+          <ac:chgData name="Andrew Leppla" userId="6394ee99ff712b8c" providerId="LiveId" clId="{8BBA55CC-E69B-4EFF-80E6-1DDD988AE253}" dt="2020-01-11T20:48:44.460" v="623" actId="478"/>
+          <ac:picMkLst>
+            <pc:docMk/>
+            <pc:sldMk cId="2145984571" sldId="267"/>
+            <ac:picMk id="11" creationId="{00000000-0000-0000-0000-000000000000}"/>
+          </ac:picMkLst>
+        </pc:picChg>
+        <pc:picChg chg="add mod">
+          <ac:chgData name="Andrew Leppla" userId="6394ee99ff712b8c" providerId="LiveId" clId="{8BBA55CC-E69B-4EFF-80E6-1DDD988AE253}" dt="2020-01-11T20:51:46.713" v="668" actId="14100"/>
+          <ac:picMkLst>
+            <pc:docMk/>
+            <pc:sldMk cId="2145984571" sldId="267"/>
+            <ac:picMk id="13" creationId="{E2CD6A6C-A8E1-490A-B6BC-A15DEACFDE77}"/>
+          </ac:picMkLst>
+        </pc:picChg>
+      </pc:sldChg>
+    </pc:docChg>
+  </pc:docChgLst>
+</pc:chgInfo>
 </file>
 
 <file path=ppt/notesMasters/notesMaster1.xml><?xml version="1.0" encoding="utf-8"?>
@@ -203,7 +379,7 @@
           <a:p>
             <a:fld id="{88980BDB-849D-481F-A077-69D0167A8E7F}" type="datetimeFigureOut">
               <a:rPr lang="en-US" smtClean="0"/>
-              <a:t>1/10/2020</a:t>
+              <a:t>1/11/2020</a:t>
             </a:fld>
             <a:endParaRPr lang="en-US"/>
           </a:p>
@@ -267,38 +443,37 @@
           <a:p>
             <a:pPr lvl="0"/>
             <a:r>
-              <a:rPr lang="en-US" smtClean="0"/>
+              <a:rPr lang="en-US"/>
               <a:t>Edit Master text styles</a:t>
             </a:r>
           </a:p>
           <a:p>
             <a:pPr lvl="1"/>
             <a:r>
-              <a:rPr lang="en-US" smtClean="0"/>
+              <a:rPr lang="en-US"/>
               <a:t>Second level</a:t>
             </a:r>
           </a:p>
           <a:p>
             <a:pPr lvl="2"/>
             <a:r>
-              <a:rPr lang="en-US" smtClean="0"/>
+              <a:rPr lang="en-US"/>
               <a:t>Third level</a:t>
             </a:r>
           </a:p>
           <a:p>
             <a:pPr lvl="3"/>
             <a:r>
-              <a:rPr lang="en-US" smtClean="0"/>
+              <a:rPr lang="en-US"/>
               <a:t>Fourth level</a:t>
             </a:r>
           </a:p>
           <a:p>
             <a:pPr lvl="4"/>
             <a:r>
-              <a:rPr lang="en-US" smtClean="0"/>
+              <a:rPr lang="en-US"/>
               <a:t>Fifth level</a:t>
             </a:r>
-            <a:endParaRPr lang="en-US"/>
           </a:p>
         </p:txBody>
       </p:sp>
@@ -533,99 +708,99 @@
               <a:defRPr/>
             </a:pPr>
             <a:r>
-              <a:rPr lang="en-US" dirty="0" smtClean="0"/>
+              <a:rPr lang="en-US" dirty="0"/>
               <a:t>library(ggplot2, </a:t>
             </a:r>
             <a:r>
-              <a:rPr lang="en-US" dirty="0" err="1" smtClean="0"/>
+              <a:rPr lang="en-US" dirty="0" err="1"/>
               <a:t>magrittr</a:t>
             </a:r>
             <a:r>
-              <a:rPr lang="en-US" dirty="0" smtClean="0"/>
+              <a:rPr lang="en-US" dirty="0"/>
               <a:t>)</a:t>
             </a:r>
           </a:p>
           <a:p>
             <a:r>
-              <a:rPr lang="en-US" dirty="0" err="1" smtClean="0"/>
+              <a:rPr lang="en-US" dirty="0" err="1"/>
               <a:t>bball</a:t>
             </a:r>
             <a:r>
-              <a:rPr lang="en-US" dirty="0" smtClean="0"/>
+              <a:rPr lang="en-US" dirty="0"/>
               <a:t> = read.csv('C:/Users/</a:t>
             </a:r>
             <a:r>
-              <a:rPr lang="en-US" dirty="0" err="1" smtClean="0"/>
+              <a:rPr lang="en-US" dirty="0" err="1"/>
               <a:t>aleppla</a:t>
             </a:r>
             <a:r>
-              <a:rPr lang="en-US" dirty="0" smtClean="0"/>
+              <a:rPr lang="en-US" dirty="0"/>
               <a:t>/Documents/Andy - Personal/MS </a:t>
             </a:r>
             <a:r>
-              <a:rPr lang="en-US" dirty="0" err="1" smtClean="0"/>
+              <a:rPr lang="en-US" dirty="0" err="1"/>
               <a:t>DataSci</a:t>
             </a:r>
             <a:r>
-              <a:rPr lang="en-US" dirty="0" smtClean="0"/>
+              <a:rPr lang="en-US" dirty="0"/>
               <a:t>/MSDS 6306 - Doing Data Science/Unit 2/PlayersBBall.csv')</a:t>
             </a:r>
           </a:p>
           <a:p>
             <a:r>
-              <a:rPr lang="en-US" dirty="0" err="1" smtClean="0"/>
+              <a:rPr lang="en-US" dirty="0" err="1"/>
               <a:t>bball</a:t>
             </a:r>
             <a:r>
-              <a:rPr lang="en-US" dirty="0" smtClean="0"/>
+              <a:rPr lang="en-US" dirty="0"/>
               <a:t> %&gt;% </a:t>
             </a:r>
             <a:r>
-              <a:rPr lang="en-US" dirty="0" err="1" smtClean="0"/>
+              <a:rPr lang="en-US" dirty="0" err="1"/>
               <a:t>ggplot</a:t>
             </a:r>
             <a:r>
-              <a:rPr lang="en-US" dirty="0" smtClean="0"/>
+              <a:rPr lang="en-US" dirty="0"/>
               <a:t>(</a:t>
             </a:r>
             <a:r>
-              <a:rPr lang="en-US" dirty="0" err="1" smtClean="0"/>
+              <a:rPr lang="en-US" dirty="0" err="1"/>
               <a:t>aes</a:t>
             </a:r>
             <a:r>
-              <a:rPr lang="en-US" dirty="0" smtClean="0"/>
+              <a:rPr lang="en-US" dirty="0"/>
               <a:t>(x=position)) + </a:t>
             </a:r>
             <a:r>
-              <a:rPr lang="en-US" dirty="0" err="1" smtClean="0"/>
+              <a:rPr lang="en-US" dirty="0" err="1"/>
               <a:t>geom_bar</a:t>
             </a:r>
             <a:r>
-              <a:rPr lang="en-US" dirty="0" smtClean="0"/>
+              <a:rPr lang="en-US" dirty="0"/>
               <a:t>() + </a:t>
             </a:r>
             <a:r>
-              <a:rPr lang="en-US" dirty="0" err="1" smtClean="0"/>
+              <a:rPr lang="en-US" dirty="0" err="1"/>
               <a:t>ggtitle</a:t>
             </a:r>
             <a:r>
-              <a:rPr lang="en-US" dirty="0" smtClean="0"/>
+              <a:rPr lang="en-US" dirty="0"/>
               <a:t>("NBA Players in each Position") + </a:t>
             </a:r>
             <a:r>
-              <a:rPr lang="en-US" dirty="0" err="1" smtClean="0"/>
+              <a:rPr lang="en-US" dirty="0" err="1"/>
               <a:t>ylab</a:t>
             </a:r>
             <a:r>
-              <a:rPr lang="en-US" dirty="0" smtClean="0"/>
+              <a:rPr lang="en-US" dirty="0"/>
               <a:t>("Number of Players") + </a:t>
             </a:r>
             <a:r>
-              <a:rPr lang="en-US" dirty="0" err="1" smtClean="0"/>
+              <a:rPr lang="en-US" dirty="0" err="1"/>
               <a:t>xlab</a:t>
             </a:r>
             <a:r>
-              <a:rPr lang="en-US" dirty="0" smtClean="0"/>
+              <a:rPr lang="en-US" dirty="0"/>
               <a:t>("Position")</a:t>
             </a:r>
           </a:p>
@@ -661,6 +836,345 @@
     <p:extLst>
       <p:ext uri="{BB962C8B-B14F-4D97-AF65-F5344CB8AC3E}">
         <p14:creationId xmlns:p14="http://schemas.microsoft.com/office/powerpoint/2010/main" val="272493398"/>
+      </p:ext>
+    </p:extLst>
+  </p:cSld>
+  <p:clrMapOvr>
+    <a:masterClrMapping/>
+  </p:clrMapOvr>
+</p:notes>
+</file>
+
+<file path=ppt/notesSlides/notesSlide10.xml><?xml version="1.0" encoding="utf-8"?>
+<p:notes xmlns:a="http://schemas.openxmlformats.org/drawingml/2006/main" xmlns:r="http://schemas.openxmlformats.org/officeDocument/2006/relationships" xmlns:p="http://schemas.openxmlformats.org/presentationml/2006/main">
+  <p:cSld>
+    <p:spTree>
+      <p:nvGrpSpPr>
+        <p:cNvPr id="1" name=""/>
+        <p:cNvGrpSpPr/>
+        <p:nvPr/>
+      </p:nvGrpSpPr>
+      <p:grpSpPr>
+        <a:xfrm>
+          <a:off x="0" y="0"/>
+          <a:ext cx="0" cy="0"/>
+          <a:chOff x="0" y="0"/>
+          <a:chExt cx="0" cy="0"/>
+        </a:xfrm>
+      </p:grpSpPr>
+      <p:sp>
+        <p:nvSpPr>
+          <p:cNvPr id="2" name="Slide Image Placeholder 1"/>
+          <p:cNvSpPr>
+            <a:spLocks noGrp="1" noRot="1" noChangeAspect="1"/>
+          </p:cNvSpPr>
+          <p:nvPr>
+            <p:ph type="sldImg"/>
+          </p:nvPr>
+        </p:nvSpPr>
+        <p:spPr/>
+      </p:sp>
+      <p:sp>
+        <p:nvSpPr>
+          <p:cNvPr id="3" name="Notes Placeholder 2"/>
+          <p:cNvSpPr>
+            <a:spLocks noGrp="1"/>
+          </p:cNvSpPr>
+          <p:nvPr>
+            <p:ph type="body" idx="1"/>
+          </p:nvPr>
+        </p:nvSpPr>
+        <p:spPr/>
+        <p:txBody>
+          <a:bodyPr/>
+          <a:lstStyle/>
+          <a:p>
+            <a:r>
+              <a:rPr lang="en-US" dirty="0" err="1"/>
+              <a:t>Educ.Inc</a:t>
+            </a:r>
+            <a:r>
+              <a:rPr lang="en-US" dirty="0"/>
+              <a:t> = read.csv('C:/Users/</a:t>
+            </a:r>
+            <a:r>
+              <a:rPr lang="en-US" dirty="0" err="1"/>
+              <a:t>allep</a:t>
+            </a:r>
+            <a:r>
+              <a:rPr lang="en-US" dirty="0"/>
+              <a:t>/OneDrive/Documents/MDS-6306-Doing-Data-Science/Unit 2/Education_Income.csv')</a:t>
+            </a:r>
+          </a:p>
+          <a:p>
+            <a:r>
+              <a:rPr lang="en-US" dirty="0"/>
+              <a:t>summary(</a:t>
+            </a:r>
+            <a:r>
+              <a:rPr lang="en-US" dirty="0" err="1"/>
+              <a:t>Educ.Inc</a:t>
+            </a:r>
+            <a:r>
+              <a:rPr lang="en-US" dirty="0"/>
+              <a:t>)</a:t>
+            </a:r>
+          </a:p>
+          <a:p>
+            <a:endParaRPr lang="en-US" dirty="0"/>
+          </a:p>
+          <a:p>
+            <a:r>
+              <a:rPr lang="en-US" dirty="0"/>
+              <a:t>#Reorder Educ so &gt;16 is after 16</a:t>
+            </a:r>
+          </a:p>
+          <a:p>
+            <a:r>
+              <a:rPr lang="en-US" dirty="0"/>
+              <a:t>Educ.Inc$Educ1 = factor(</a:t>
+            </a:r>
+            <a:r>
+              <a:rPr lang="en-US" dirty="0" err="1"/>
+              <a:t>Educ.Inc$Educ</a:t>
+            </a:r>
+            <a:r>
+              <a:rPr lang="en-US" dirty="0"/>
+              <a:t>, levels(</a:t>
+            </a:r>
+            <a:r>
+              <a:rPr lang="en-US" dirty="0" err="1"/>
+              <a:t>Educ.Inc$Educ</a:t>
+            </a:r>
+            <a:r>
+              <a:rPr lang="en-US" dirty="0"/>
+              <a:t>)[c(1,3:5,2)])</a:t>
+            </a:r>
+          </a:p>
+          <a:p>
+            <a:r>
+              <a:rPr lang="en-US" dirty="0"/>
+              <a:t>levels(Educ.Inc$Educ1)</a:t>
+            </a:r>
+          </a:p>
+          <a:p>
+            <a:endParaRPr lang="en-US" dirty="0"/>
+          </a:p>
+          <a:p>
+            <a:r>
+              <a:rPr lang="en-US" dirty="0" err="1"/>
+              <a:t>Educ.Inc</a:t>
+            </a:r>
+            <a:r>
+              <a:rPr lang="en-US" dirty="0"/>
+              <a:t> %&gt;% </a:t>
+            </a:r>
+            <a:r>
+              <a:rPr lang="en-US" dirty="0" err="1"/>
+              <a:t>ggplot</a:t>
+            </a:r>
+            <a:r>
+              <a:rPr lang="en-US" dirty="0"/>
+              <a:t>(</a:t>
+            </a:r>
+            <a:r>
+              <a:rPr lang="en-US" dirty="0" err="1"/>
+              <a:t>aes</a:t>
+            </a:r>
+            <a:r>
+              <a:rPr lang="en-US" dirty="0"/>
+              <a:t>(x=Income2005,fill=Educ1)) + </a:t>
+            </a:r>
+            <a:r>
+              <a:rPr lang="en-US" dirty="0" err="1"/>
+              <a:t>geom_histogram</a:t>
+            </a:r>
+            <a:r>
+              <a:rPr lang="en-US" dirty="0"/>
+              <a:t>(position="dodge") + </a:t>
+            </a:r>
+            <a:r>
+              <a:rPr lang="en-US" dirty="0" err="1"/>
+              <a:t>coord_cartesian</a:t>
+            </a:r>
+            <a:r>
+              <a:rPr lang="en-US" dirty="0"/>
+              <a:t>(</a:t>
+            </a:r>
+            <a:r>
+              <a:rPr lang="en-US" dirty="0" err="1"/>
+              <a:t>xlim</a:t>
+            </a:r>
+            <a:r>
+              <a:rPr lang="en-US" dirty="0"/>
+              <a:t>=c(0,200000)) +</a:t>
+            </a:r>
+          </a:p>
+          <a:p>
+            <a:r>
+              <a:rPr lang="en-US" dirty="0"/>
+              <a:t>  </a:t>
+            </a:r>
+            <a:r>
+              <a:rPr lang="en-US" dirty="0" err="1"/>
+              <a:t>ggtitle</a:t>
+            </a:r>
+            <a:r>
+              <a:rPr lang="en-US" dirty="0"/>
+              <a:t>("Income Distributions by Education Level") + </a:t>
+            </a:r>
+            <a:r>
+              <a:rPr lang="en-US" dirty="0" err="1"/>
+              <a:t>xlab</a:t>
+            </a:r>
+            <a:r>
+              <a:rPr lang="en-US" dirty="0"/>
+              <a:t>("2005 Income ($)") + </a:t>
+            </a:r>
+            <a:r>
+              <a:rPr lang="en-US" dirty="0" err="1"/>
+              <a:t>ylab</a:t>
+            </a:r>
+            <a:r>
+              <a:rPr lang="en-US" dirty="0"/>
+              <a:t>("Count")</a:t>
+            </a:r>
+          </a:p>
+          <a:p>
+            <a:endParaRPr lang="en-US" dirty="0"/>
+          </a:p>
+          <a:p>
+            <a:r>
+              <a:rPr lang="en-US" dirty="0"/>
+              <a:t>#Log x scale</a:t>
+            </a:r>
+          </a:p>
+          <a:p>
+            <a:endParaRPr lang="en-US" dirty="0"/>
+          </a:p>
+          <a:p>
+            <a:r>
+              <a:rPr lang="en-US" dirty="0" err="1"/>
+              <a:t>Educ.Inc</a:t>
+            </a:r>
+            <a:r>
+              <a:rPr lang="en-US" dirty="0"/>
+              <a:t> %&gt;% </a:t>
+            </a:r>
+            <a:r>
+              <a:rPr lang="en-US" dirty="0" err="1"/>
+              <a:t>ggplot</a:t>
+            </a:r>
+            <a:r>
+              <a:rPr lang="en-US" dirty="0"/>
+              <a:t>(</a:t>
+            </a:r>
+            <a:r>
+              <a:rPr lang="en-US" dirty="0" err="1"/>
+              <a:t>aes</a:t>
+            </a:r>
+            <a:r>
+              <a:rPr lang="en-US" dirty="0"/>
+              <a:t>(x=Income2005,fill=Educ1)) + </a:t>
+            </a:r>
+            <a:r>
+              <a:rPr lang="en-US" dirty="0" err="1"/>
+              <a:t>stat_bin</a:t>
+            </a:r>
+            <a:r>
+              <a:rPr lang="en-US" dirty="0"/>
+              <a:t>(position="</a:t>
+            </a:r>
+            <a:r>
+              <a:rPr lang="en-US" dirty="0" err="1"/>
+              <a:t>dodge",bins</a:t>
+            </a:r>
+            <a:r>
+              <a:rPr lang="en-US" dirty="0"/>
+              <a:t>=15) + </a:t>
+            </a:r>
+          </a:p>
+          <a:p>
+            <a:r>
+              <a:rPr lang="en-US" dirty="0"/>
+              <a:t>  </a:t>
+            </a:r>
+            <a:r>
+              <a:rPr lang="en-US" dirty="0" err="1"/>
+              <a:t>coord_cartesian</a:t>
+            </a:r>
+            <a:r>
+              <a:rPr lang="en-US" dirty="0"/>
+              <a:t>(</a:t>
+            </a:r>
+            <a:r>
+              <a:rPr lang="en-US" dirty="0" err="1"/>
+              <a:t>xlim</a:t>
+            </a:r>
+            <a:r>
+              <a:rPr lang="en-US" dirty="0"/>
+              <a:t>=c(1000,500000)) + </a:t>
+            </a:r>
+            <a:r>
+              <a:rPr lang="en-US" dirty="0" err="1"/>
+              <a:t>ggtitle</a:t>
+            </a:r>
+            <a:r>
+              <a:rPr lang="en-US" dirty="0"/>
+              <a:t>("Log Scale Income Distributions by Education Level") + </a:t>
+            </a:r>
+          </a:p>
+          <a:p>
+            <a:r>
+              <a:rPr lang="en-US" dirty="0"/>
+              <a:t>  </a:t>
+            </a:r>
+            <a:r>
+              <a:rPr lang="en-US" dirty="0" err="1"/>
+              <a:t>xlab</a:t>
+            </a:r>
+            <a:r>
+              <a:rPr lang="en-US" dirty="0"/>
+              <a:t>("2005 Income ($)") + </a:t>
+            </a:r>
+            <a:r>
+              <a:rPr lang="en-US" dirty="0" err="1"/>
+              <a:t>ylab</a:t>
+            </a:r>
+            <a:r>
+              <a:rPr lang="en-US" dirty="0"/>
+              <a:t>("Count") + scale_x_log10()</a:t>
+            </a:r>
+          </a:p>
+        </p:txBody>
+      </p:sp>
+      <p:sp>
+        <p:nvSpPr>
+          <p:cNvPr id="4" name="Slide Number Placeholder 3"/>
+          <p:cNvSpPr>
+            <a:spLocks noGrp="1"/>
+          </p:cNvSpPr>
+          <p:nvPr>
+            <p:ph type="sldNum" sz="quarter" idx="5"/>
+          </p:nvPr>
+        </p:nvSpPr>
+        <p:spPr/>
+        <p:txBody>
+          <a:bodyPr/>
+          <a:lstStyle/>
+          <a:p>
+            <a:fld id="{98ECCB3B-C95A-462C-B80B-390B504946E4}" type="slidenum">
+              <a:rPr lang="en-US" smtClean="0"/>
+              <a:t>11</a:t>
+            </a:fld>
+            <a:endParaRPr lang="en-US"/>
+          </a:p>
+        </p:txBody>
+      </p:sp>
+    </p:spTree>
+    <p:extLst>
+      <p:ext uri="{BB962C8B-B14F-4D97-AF65-F5344CB8AC3E}">
+        <p14:creationId xmlns:p14="http://schemas.microsoft.com/office/powerpoint/2010/main" val="2865035372"/>
       </p:ext>
     </p:extLst>
   </p:cSld>
@@ -715,268 +1229,268 @@
           <a:lstStyle/>
           <a:p>
             <a:r>
-              <a:rPr lang="en-US" dirty="0" smtClean="0"/>
+              <a:rPr lang="en-US" dirty="0"/>
               <a:t>#Attempt just using </a:t>
             </a:r>
             <a:r>
-              <a:rPr lang="en-US" dirty="0" err="1" smtClean="0"/>
+              <a:rPr lang="en-US" dirty="0" err="1"/>
               <a:t>ggplot</a:t>
             </a:r>
             <a:r>
-              <a:rPr lang="en-US" dirty="0" smtClean="0"/>
+              <a:rPr lang="en-US" dirty="0"/>
               <a:t>, can't get “dodge” to work, used </a:t>
             </a:r>
             <a:r>
-              <a:rPr lang="en-US" dirty="0" err="1" smtClean="0"/>
+              <a:rPr lang="en-US" dirty="0" err="1"/>
               <a:t>facet_wrap</a:t>
             </a:r>
             <a:r>
-              <a:rPr lang="en-US" dirty="0" smtClean="0"/>
+              <a:rPr lang="en-US" dirty="0"/>
               <a:t> for side-by-side instead</a:t>
             </a:r>
           </a:p>
           <a:p>
             <a:r>
-              <a:rPr lang="en-US" dirty="0" err="1" smtClean="0"/>
+              <a:rPr lang="en-US" dirty="0" err="1"/>
               <a:t>ggplot</a:t>
             </a:r>
             <a:r>
-              <a:rPr lang="en-US" dirty="0" smtClean="0"/>
+              <a:rPr lang="en-US" dirty="0"/>
               <a:t>() + </a:t>
             </a:r>
             <a:r>
-              <a:rPr lang="en-US" dirty="0" err="1" smtClean="0"/>
+              <a:rPr lang="en-US" dirty="0" err="1"/>
               <a:t>geom_histogram</a:t>
             </a:r>
             <a:r>
-              <a:rPr lang="en-US" dirty="0" smtClean="0"/>
+              <a:rPr lang="en-US" dirty="0"/>
               <a:t>(data=</a:t>
             </a:r>
             <a:r>
-              <a:rPr lang="en-US" dirty="0" err="1" smtClean="0"/>
+              <a:rPr lang="en-US" dirty="0" err="1"/>
               <a:t>bball</a:t>
             </a:r>
             <a:r>
-              <a:rPr lang="en-US" dirty="0" smtClean="0"/>
+              <a:rPr lang="en-US" dirty="0"/>
               <a:t>[</a:t>
             </a:r>
             <a:r>
-              <a:rPr lang="en-US" dirty="0" err="1" smtClean="0"/>
+              <a:rPr lang="en-US" dirty="0" err="1"/>
               <a:t>bball$position</a:t>
             </a:r>
             <a:r>
-              <a:rPr lang="en-US" dirty="0" smtClean="0"/>
+              <a:rPr lang="en-US" dirty="0"/>
               <a:t>=="C",], </a:t>
             </a:r>
             <a:r>
-              <a:rPr lang="en-US" dirty="0" err="1" smtClean="0"/>
+              <a:rPr lang="en-US" dirty="0" err="1"/>
               <a:t>aes</a:t>
             </a:r>
             <a:r>
-              <a:rPr lang="en-US" dirty="0" smtClean="0"/>
+              <a:rPr lang="en-US" dirty="0"/>
               <a:t>(x=</a:t>
             </a:r>
             <a:r>
-              <a:rPr lang="en-US" dirty="0" err="1" smtClean="0"/>
+              <a:rPr lang="en-US" dirty="0" err="1"/>
               <a:t>weight,fill</a:t>
             </a:r>
             <a:r>
-              <a:rPr lang="en-US" dirty="0" smtClean="0"/>
+              <a:rPr lang="en-US" dirty="0"/>
               <a:t>="Center")) +</a:t>
             </a:r>
           </a:p>
           <a:p>
             <a:r>
-              <a:rPr lang="en-US" dirty="0" smtClean="0"/>
+              <a:rPr lang="en-US" dirty="0"/>
               <a:t>  </a:t>
             </a:r>
             <a:r>
-              <a:rPr lang="en-US" dirty="0" err="1" smtClean="0"/>
+              <a:rPr lang="en-US" dirty="0" err="1"/>
               <a:t>geom_histogram</a:t>
             </a:r>
             <a:r>
-              <a:rPr lang="en-US" dirty="0" smtClean="0"/>
+              <a:rPr lang="en-US" dirty="0"/>
               <a:t>(data=</a:t>
             </a:r>
             <a:r>
-              <a:rPr lang="en-US" dirty="0" err="1" smtClean="0"/>
+              <a:rPr lang="en-US" dirty="0" err="1"/>
               <a:t>bball</a:t>
             </a:r>
             <a:r>
-              <a:rPr lang="en-US" dirty="0" smtClean="0"/>
+              <a:rPr lang="en-US" dirty="0"/>
               <a:t>[</a:t>
             </a:r>
             <a:r>
-              <a:rPr lang="en-US" dirty="0" err="1" smtClean="0"/>
+              <a:rPr lang="en-US" dirty="0" err="1"/>
               <a:t>bball$position</a:t>
             </a:r>
             <a:r>
-              <a:rPr lang="en-US" dirty="0" smtClean="0"/>
+              <a:rPr lang="en-US" dirty="0"/>
               <a:t>=="F",], </a:t>
             </a:r>
             <a:r>
-              <a:rPr lang="en-US" dirty="0" err="1" smtClean="0"/>
+              <a:rPr lang="en-US" dirty="0" err="1"/>
               <a:t>aes</a:t>
             </a:r>
             <a:r>
-              <a:rPr lang="en-US" dirty="0" smtClean="0"/>
+              <a:rPr lang="en-US" dirty="0"/>
               <a:t>(x=</a:t>
             </a:r>
             <a:r>
-              <a:rPr lang="en-US" dirty="0" err="1" smtClean="0"/>
+              <a:rPr lang="en-US" dirty="0" err="1"/>
               <a:t>weight,fill</a:t>
             </a:r>
             <a:r>
-              <a:rPr lang="en-US" dirty="0" smtClean="0"/>
+              <a:rPr lang="en-US" dirty="0"/>
               <a:t>="Forward")) + </a:t>
             </a:r>
             <a:r>
-              <a:rPr lang="en-US" dirty="0" err="1" smtClean="0"/>
+              <a:rPr lang="en-US" dirty="0" err="1"/>
               <a:t>facet_wrap</a:t>
             </a:r>
             <a:r>
-              <a:rPr lang="en-US" dirty="0" smtClean="0"/>
+              <a:rPr lang="en-US" dirty="0"/>
               <a:t>(~position)</a:t>
             </a:r>
           </a:p>
           <a:p>
-            <a:endParaRPr lang="en-US" dirty="0" smtClean="0"/>
-          </a:p>
-          <a:p>
-            <a:r>
-              <a:rPr lang="en-US" dirty="0" smtClean="0"/>
+            <a:endParaRPr lang="en-US" dirty="0"/>
+          </a:p>
+          <a:p>
+            <a:r>
+              <a:rPr lang="en-US" dirty="0"/>
               <a:t>#</a:t>
             </a:r>
             <a:r>
-              <a:rPr lang="en-US" dirty="0" err="1" smtClean="0"/>
+              <a:rPr lang="en-US" dirty="0" err="1"/>
               <a:t>Subsetting</a:t>
             </a:r>
             <a:r>
-              <a:rPr lang="en-US" dirty="0" smtClean="0"/>
+              <a:rPr lang="en-US" dirty="0"/>
               <a:t> and recombining</a:t>
             </a:r>
             <a:r>
-              <a:rPr lang="en-US" baseline="0" dirty="0" smtClean="0"/>
+              <a:rPr lang="en-US" baseline="0" dirty="0"/>
               <a:t> data frames for C and F.  Can now use “dodge” to overlay side-by-side</a:t>
             </a:r>
-            <a:endParaRPr lang="en-US" dirty="0" smtClean="0"/>
-          </a:p>
-          <a:p>
-            <a:r>
-              <a:rPr lang="en-US" dirty="0" smtClean="0"/>
+            <a:endParaRPr lang="en-US" dirty="0"/>
+          </a:p>
+          <a:p>
+            <a:r>
+              <a:rPr lang="en-US" dirty="0"/>
               <a:t>C = </a:t>
             </a:r>
             <a:r>
-              <a:rPr lang="en-US" dirty="0" err="1" smtClean="0"/>
+              <a:rPr lang="en-US" dirty="0" err="1"/>
               <a:t>bball</a:t>
             </a:r>
             <a:r>
-              <a:rPr lang="en-US" dirty="0" smtClean="0"/>
+              <a:rPr lang="en-US" dirty="0"/>
               <a:t>[</a:t>
             </a:r>
             <a:r>
-              <a:rPr lang="en-US" dirty="0" err="1" smtClean="0"/>
+              <a:rPr lang="en-US" dirty="0" err="1"/>
               <a:t>bball$position</a:t>
             </a:r>
             <a:r>
-              <a:rPr lang="en-US" dirty="0" smtClean="0"/>
+              <a:rPr lang="en-US" dirty="0"/>
               <a:t>=="C",]</a:t>
             </a:r>
           </a:p>
           <a:p>
             <a:r>
-              <a:rPr lang="en-US" dirty="0" err="1" smtClean="0"/>
+              <a:rPr lang="en-US" dirty="0" err="1"/>
               <a:t>Fw</a:t>
             </a:r>
             <a:r>
-              <a:rPr lang="en-US" dirty="0" smtClean="0"/>
+              <a:rPr lang="en-US" dirty="0"/>
               <a:t> = </a:t>
             </a:r>
             <a:r>
-              <a:rPr lang="en-US" dirty="0" err="1" smtClean="0"/>
+              <a:rPr lang="en-US" dirty="0" err="1"/>
               <a:t>bball</a:t>
             </a:r>
             <a:r>
-              <a:rPr lang="en-US" dirty="0" smtClean="0"/>
+              <a:rPr lang="en-US" dirty="0"/>
               <a:t>[</a:t>
             </a:r>
             <a:r>
-              <a:rPr lang="en-US" dirty="0" err="1" smtClean="0"/>
+              <a:rPr lang="en-US" dirty="0" err="1"/>
               <a:t>bball$position</a:t>
             </a:r>
             <a:r>
-              <a:rPr lang="en-US" dirty="0" smtClean="0"/>
+              <a:rPr lang="en-US" dirty="0"/>
               <a:t>=="F",]</a:t>
             </a:r>
           </a:p>
           <a:p>
             <a:r>
-              <a:rPr lang="en-US" dirty="0" err="1" smtClean="0"/>
+              <a:rPr lang="en-US" dirty="0" err="1"/>
               <a:t>C_Fw</a:t>
             </a:r>
             <a:r>
-              <a:rPr lang="en-US" dirty="0" smtClean="0"/>
+              <a:rPr lang="en-US" dirty="0"/>
               <a:t>=</a:t>
             </a:r>
             <a:r>
-              <a:rPr lang="en-US" dirty="0" err="1" smtClean="0"/>
+              <a:rPr lang="en-US" dirty="0" err="1"/>
               <a:t>rbind</a:t>
             </a:r>
             <a:r>
-              <a:rPr lang="en-US" dirty="0" smtClean="0"/>
+              <a:rPr lang="en-US" dirty="0"/>
               <a:t>(</a:t>
             </a:r>
             <a:r>
-              <a:rPr lang="en-US" dirty="0" err="1" smtClean="0"/>
+              <a:rPr lang="en-US" dirty="0" err="1"/>
               <a:t>C,Fw</a:t>
             </a:r>
             <a:r>
-              <a:rPr lang="en-US" dirty="0" smtClean="0"/>
+              <a:rPr lang="en-US" dirty="0"/>
               <a:t>)</a:t>
             </a:r>
           </a:p>
           <a:p>
-            <a:endParaRPr lang="en-US" dirty="0" smtClean="0"/>
-          </a:p>
-          <a:p>
-            <a:r>
-              <a:rPr lang="en-US" dirty="0" err="1" smtClean="0"/>
+            <a:endParaRPr lang="en-US" dirty="0"/>
+          </a:p>
+          <a:p>
+            <a:r>
+              <a:rPr lang="en-US" dirty="0" err="1"/>
               <a:t>C_Fw</a:t>
             </a:r>
             <a:r>
-              <a:rPr lang="en-US" dirty="0" smtClean="0"/>
+              <a:rPr lang="en-US" dirty="0"/>
               <a:t> %&gt;% </a:t>
             </a:r>
             <a:r>
-              <a:rPr lang="en-US" dirty="0" err="1" smtClean="0"/>
+              <a:rPr lang="en-US" dirty="0" err="1"/>
               <a:t>ggplot</a:t>
             </a:r>
             <a:r>
-              <a:rPr lang="en-US" dirty="0" smtClean="0"/>
+              <a:rPr lang="en-US" dirty="0"/>
               <a:t>(</a:t>
             </a:r>
             <a:r>
-              <a:rPr lang="en-US" dirty="0" err="1" smtClean="0"/>
+              <a:rPr lang="en-US" dirty="0" err="1"/>
               <a:t>aes</a:t>
             </a:r>
             <a:r>
-              <a:rPr lang="en-US" dirty="0" smtClean="0"/>
+              <a:rPr lang="en-US" dirty="0"/>
               <a:t>(x=weight, fill=position)) + </a:t>
             </a:r>
             <a:r>
-              <a:rPr lang="en-US" dirty="0" err="1" smtClean="0"/>
+              <a:rPr lang="en-US" dirty="0" err="1"/>
               <a:t>geom_histogram</a:t>
             </a:r>
             <a:r>
-              <a:rPr lang="en-US" dirty="0" smtClean="0"/>
+              <a:rPr lang="en-US" dirty="0"/>
               <a:t>(position="dodge") + </a:t>
             </a:r>
             <a:r>
-              <a:rPr lang="en-US" dirty="0" err="1" smtClean="0"/>
+              <a:rPr lang="en-US" dirty="0" err="1"/>
               <a:t>ggtitle</a:t>
             </a:r>
             <a:r>
-              <a:rPr lang="en-US" dirty="0" smtClean="0"/>
+              <a:rPr lang="en-US" dirty="0"/>
               <a:t>("Weight Distributions of NBA Centers vs. Forwards")</a:t>
             </a:r>
           </a:p>
@@ -1063,180 +1577,179 @@
           <a:lstStyle/>
           <a:p>
             <a:r>
-              <a:rPr lang="en-US" dirty="0" smtClean="0"/>
+              <a:rPr lang="en-US" dirty="0"/>
               <a:t>#Need to reorder the height factor levels with -10, -11 to go after -9 instead</a:t>
             </a:r>
             <a:r>
-              <a:rPr lang="en-US" baseline="0" dirty="0" smtClean="0"/>
+              <a:rPr lang="en-US" baseline="0" dirty="0"/>
               <a:t> of -1</a:t>
             </a:r>
-            <a:endParaRPr lang="en-US" dirty="0" smtClean="0"/>
-          </a:p>
-          <a:p>
-            <a:r>
-              <a:rPr lang="en-US" dirty="0" smtClean="0"/>
+            <a:endParaRPr lang="en-US" dirty="0"/>
+          </a:p>
+          <a:p>
+            <a:r>
+              <a:rPr lang="en-US" dirty="0"/>
               <a:t>##https://www.r-bloggers.com/reorder-factor-levels/</a:t>
             </a:r>
           </a:p>
           <a:p>
             <a:r>
-              <a:rPr lang="en-US" dirty="0" smtClean="0"/>
+              <a:rPr lang="en-US" dirty="0"/>
               <a:t>levels(</a:t>
             </a:r>
             <a:r>
-              <a:rPr lang="en-US" dirty="0" err="1" smtClean="0"/>
+              <a:rPr lang="en-US" dirty="0" err="1"/>
               <a:t>bball$height</a:t>
             </a:r>
             <a:r>
-              <a:rPr lang="en-US" dirty="0" smtClean="0"/>
+              <a:rPr lang="en-US" dirty="0"/>
               <a:t>)</a:t>
             </a:r>
-            <a:endParaRPr lang="en-US" dirty="0" smtClean="0"/>
-          </a:p>
-          <a:p>
-            <a:r>
-              <a:rPr lang="en-US" dirty="0" smtClean="0"/>
+          </a:p>
+          <a:p>
+            <a:r>
+              <a:rPr lang="en-US" dirty="0"/>
               <a:t>bball$height1=factor(</a:t>
             </a:r>
             <a:r>
-              <a:rPr lang="en-US" dirty="0" err="1" smtClean="0"/>
+              <a:rPr lang="en-US" dirty="0" err="1"/>
               <a:t>bball$height</a:t>
             </a:r>
             <a:r>
-              <a:rPr lang="en-US" dirty="0" smtClean="0"/>
+              <a:rPr lang="en-US" dirty="0"/>
               <a:t>, levels(</a:t>
             </a:r>
             <a:r>
-              <a:rPr lang="en-US" dirty="0" err="1" smtClean="0"/>
+              <a:rPr lang="en-US" dirty="0" err="1"/>
               <a:t>bball$height</a:t>
             </a:r>
             <a:r>
-              <a:rPr lang="en-US" dirty="0" smtClean="0"/>
+              <a:rPr lang="en-US" dirty="0"/>
               <a:t>)[c(1,4:9,2:3,10:11,14:21,12:13,22:29)])</a:t>
             </a:r>
           </a:p>
           <a:p>
             <a:r>
-              <a:rPr lang="en-US" dirty="0" smtClean="0"/>
+              <a:rPr lang="en-US" dirty="0"/>
               <a:t>levels(bball$height1)</a:t>
             </a:r>
           </a:p>
           <a:p>
-            <a:endParaRPr lang="en-US" dirty="0" smtClean="0"/>
-          </a:p>
-          <a:p>
-            <a:r>
-              <a:rPr lang="en-US" dirty="0" smtClean="0"/>
+            <a:endParaRPr lang="en-US" dirty="0"/>
+          </a:p>
+          <a:p>
+            <a:r>
+              <a:rPr lang="en-US" dirty="0"/>
               <a:t>C = </a:t>
             </a:r>
             <a:r>
-              <a:rPr lang="en-US" dirty="0" err="1" smtClean="0"/>
+              <a:rPr lang="en-US" dirty="0" err="1"/>
               <a:t>bball</a:t>
             </a:r>
             <a:r>
-              <a:rPr lang="en-US" dirty="0" smtClean="0"/>
+              <a:rPr lang="en-US" dirty="0"/>
               <a:t>[</a:t>
             </a:r>
             <a:r>
-              <a:rPr lang="en-US" dirty="0" err="1" smtClean="0"/>
+              <a:rPr lang="en-US" dirty="0" err="1"/>
               <a:t>bball$position</a:t>
             </a:r>
             <a:r>
-              <a:rPr lang="en-US" dirty="0" smtClean="0"/>
+              <a:rPr lang="en-US" dirty="0"/>
               <a:t>=="C",]</a:t>
             </a:r>
           </a:p>
           <a:p>
             <a:r>
-              <a:rPr lang="en-US" dirty="0" err="1" smtClean="0"/>
+              <a:rPr lang="en-US" dirty="0" err="1"/>
               <a:t>Fw</a:t>
             </a:r>
             <a:r>
-              <a:rPr lang="en-US" dirty="0" smtClean="0"/>
+              <a:rPr lang="en-US" dirty="0"/>
               <a:t> = </a:t>
             </a:r>
             <a:r>
-              <a:rPr lang="en-US" dirty="0" err="1" smtClean="0"/>
+              <a:rPr lang="en-US" dirty="0" err="1"/>
               <a:t>bball</a:t>
             </a:r>
             <a:r>
-              <a:rPr lang="en-US" dirty="0" smtClean="0"/>
+              <a:rPr lang="en-US" dirty="0"/>
               <a:t>[</a:t>
             </a:r>
             <a:r>
-              <a:rPr lang="en-US" dirty="0" err="1" smtClean="0"/>
+              <a:rPr lang="en-US" dirty="0" err="1"/>
               <a:t>bball$position</a:t>
             </a:r>
             <a:r>
-              <a:rPr lang="en-US" dirty="0" smtClean="0"/>
+              <a:rPr lang="en-US" dirty="0"/>
               <a:t>=="F",]</a:t>
             </a:r>
           </a:p>
           <a:p>
             <a:r>
-              <a:rPr lang="en-US" dirty="0" err="1" smtClean="0"/>
+              <a:rPr lang="en-US" dirty="0" err="1"/>
               <a:t>C_Fw</a:t>
             </a:r>
             <a:r>
-              <a:rPr lang="en-US" dirty="0" smtClean="0"/>
+              <a:rPr lang="en-US" dirty="0"/>
               <a:t>=</a:t>
             </a:r>
             <a:r>
-              <a:rPr lang="en-US" dirty="0" err="1" smtClean="0"/>
+              <a:rPr lang="en-US" dirty="0" err="1"/>
               <a:t>rbind</a:t>
             </a:r>
             <a:r>
-              <a:rPr lang="en-US" dirty="0" smtClean="0"/>
+              <a:rPr lang="en-US" dirty="0"/>
               <a:t>(</a:t>
             </a:r>
             <a:r>
-              <a:rPr lang="en-US" dirty="0" err="1" smtClean="0"/>
+              <a:rPr lang="en-US" dirty="0" err="1"/>
               <a:t>C,Fw</a:t>
             </a:r>
             <a:r>
-              <a:rPr lang="en-US" dirty="0" smtClean="0"/>
+              <a:rPr lang="en-US" dirty="0"/>
               <a:t>)</a:t>
             </a:r>
           </a:p>
           <a:p>
             <a:r>
-              <a:rPr lang="en-US" dirty="0" err="1" smtClean="0"/>
+              <a:rPr lang="en-US" dirty="0" err="1"/>
               <a:t>C_Fw</a:t>
             </a:r>
             <a:r>
-              <a:rPr lang="en-US" dirty="0" smtClean="0"/>
+              <a:rPr lang="en-US" dirty="0"/>
               <a:t> %&gt;% </a:t>
             </a:r>
             <a:r>
-              <a:rPr lang="en-US" dirty="0" err="1" smtClean="0"/>
+              <a:rPr lang="en-US" dirty="0" err="1"/>
               <a:t>ggplot</a:t>
             </a:r>
             <a:r>
-              <a:rPr lang="en-US" dirty="0" smtClean="0"/>
+              <a:rPr lang="en-US" dirty="0"/>
               <a:t>(</a:t>
             </a:r>
             <a:r>
-              <a:rPr lang="en-US" dirty="0" err="1" smtClean="0"/>
+              <a:rPr lang="en-US" dirty="0" err="1"/>
               <a:t>aes</a:t>
             </a:r>
             <a:r>
-              <a:rPr lang="en-US" dirty="0" smtClean="0"/>
+              <a:rPr lang="en-US" dirty="0"/>
               <a:t>(x=height1, fill=position)) + </a:t>
             </a:r>
             <a:r>
-              <a:rPr lang="en-US" dirty="0" err="1" smtClean="0"/>
+              <a:rPr lang="en-US" dirty="0" err="1"/>
               <a:t>geom_bar</a:t>
             </a:r>
             <a:r>
-              <a:rPr lang="en-US" dirty="0" smtClean="0"/>
+              <a:rPr lang="en-US" dirty="0"/>
               <a:t>(position="dodge") + </a:t>
             </a:r>
             <a:r>
-              <a:rPr lang="en-US" dirty="0" err="1" smtClean="0"/>
+              <a:rPr lang="en-US" dirty="0" err="1"/>
               <a:t>ggtitle</a:t>
             </a:r>
             <a:r>
-              <a:rPr lang="en-US" dirty="0" smtClean="0"/>
+              <a:rPr lang="en-US" dirty="0"/>
               <a:t>("Height Distributions of NBA Centers vs. Forwards")</a:t>
             </a:r>
           </a:p>
@@ -1326,106 +1839,105 @@
           <a:lstStyle/>
           <a:p>
             <a:r>
-              <a:rPr lang="en-US" dirty="0" err="1" smtClean="0"/>
+              <a:rPr lang="en-US" dirty="0" err="1"/>
               <a:t>bball</a:t>
             </a:r>
             <a:r>
-              <a:rPr lang="en-US" dirty="0" smtClean="0"/>
+              <a:rPr lang="en-US" dirty="0"/>
               <a:t>[</a:t>
             </a:r>
             <a:r>
-              <a:rPr lang="en-US" dirty="0" err="1" smtClean="0"/>
+              <a:rPr lang="en-US" dirty="0" err="1"/>
               <a:t>bball$position</a:t>
             </a:r>
             <a:r>
-              <a:rPr lang="en-US" dirty="0" smtClean="0"/>
+              <a:rPr lang="en-US" dirty="0"/>
               <a:t>!="",] %&gt;% </a:t>
             </a:r>
             <a:r>
-              <a:rPr lang="en-US" dirty="0" err="1" smtClean="0"/>
+              <a:rPr lang="en-US" dirty="0" err="1"/>
               <a:t>ggplot</a:t>
             </a:r>
             <a:r>
-              <a:rPr lang="en-US" dirty="0" smtClean="0"/>
+              <a:rPr lang="en-US" dirty="0"/>
               <a:t>(</a:t>
             </a:r>
             <a:r>
-              <a:rPr lang="en-US" dirty="0" err="1" smtClean="0"/>
+              <a:rPr lang="en-US" dirty="0" err="1"/>
               <a:t>aes</a:t>
             </a:r>
             <a:r>
-              <a:rPr lang="en-US" dirty="0" smtClean="0"/>
+              <a:rPr lang="en-US" dirty="0"/>
               <a:t>(x=height1, y=..prop.., group=1, fill=position)) + </a:t>
             </a:r>
             <a:r>
-              <a:rPr lang="en-US" dirty="0" err="1" smtClean="0"/>
+              <a:rPr lang="en-US" dirty="0" err="1"/>
               <a:t>geom_bar</a:t>
             </a:r>
             <a:r>
-              <a:rPr lang="en-US" dirty="0" smtClean="0"/>
+              <a:rPr lang="en-US" dirty="0"/>
               <a:t>() + </a:t>
             </a:r>
           </a:p>
           <a:p>
             <a:r>
-              <a:rPr lang="en-US" dirty="0" smtClean="0"/>
+              <a:rPr lang="en-US" dirty="0"/>
               <a:t>  </a:t>
             </a:r>
             <a:r>
-              <a:rPr lang="en-US" dirty="0" err="1" smtClean="0"/>
+              <a:rPr lang="en-US" dirty="0" err="1"/>
               <a:t>facet_wrap</a:t>
             </a:r>
             <a:r>
-              <a:rPr lang="en-US" dirty="0" smtClean="0"/>
+              <a:rPr lang="en-US" dirty="0"/>
               <a:t>(~position) + </a:t>
             </a:r>
             <a:r>
-              <a:rPr lang="en-US" dirty="0" err="1" smtClean="0"/>
+              <a:rPr lang="en-US" dirty="0" err="1"/>
               <a:t>coord_cartesian</a:t>
             </a:r>
             <a:r>
-              <a:rPr lang="en-US" dirty="0" smtClean="0"/>
+              <a:rPr lang="en-US" dirty="0"/>
               <a:t>(</a:t>
             </a:r>
             <a:r>
-              <a:rPr lang="en-US" dirty="0" err="1" smtClean="0"/>
+              <a:rPr lang="en-US" dirty="0" err="1"/>
               <a:t>ylim</a:t>
             </a:r>
             <a:r>
-              <a:rPr lang="en-US" dirty="0" smtClean="0"/>
+              <a:rPr lang="en-US" dirty="0"/>
               <a:t> = c(0, 0.3)) + </a:t>
             </a:r>
             <a:r>
-              <a:rPr lang="en-US" dirty="0" err="1" smtClean="0"/>
+              <a:rPr lang="en-US" dirty="0" err="1"/>
               <a:t>ggtitle</a:t>
             </a:r>
             <a:r>
-              <a:rPr lang="en-US" dirty="0" smtClean="0"/>
+              <a:rPr lang="en-US" dirty="0"/>
               <a:t>("NBA Height Distributions by Position") +</a:t>
             </a:r>
           </a:p>
           <a:p>
             <a:r>
-              <a:rPr lang="en-US" dirty="0" smtClean="0"/>
+              <a:rPr lang="en-US" dirty="0"/>
               <a:t>  </a:t>
             </a:r>
             <a:r>
-              <a:rPr lang="en-US" dirty="0" err="1" smtClean="0"/>
+              <a:rPr lang="en-US" dirty="0" err="1"/>
               <a:t>xlab</a:t>
             </a:r>
             <a:r>
-              <a:rPr lang="en-US" dirty="0" smtClean="0"/>
+              <a:rPr lang="en-US" dirty="0"/>
               <a:t>("Height (5ft 3in to 7ft 7in)") + </a:t>
             </a:r>
             <a:r>
-              <a:rPr lang="en-US" dirty="0" err="1" smtClean="0"/>
+              <a:rPr lang="en-US" dirty="0" err="1"/>
               <a:t>ylab</a:t>
             </a:r>
             <a:r>
-              <a:rPr lang="en-US" dirty="0" smtClean="0"/>
+              <a:rPr lang="en-US" dirty="0"/>
               <a:t>("Proportion") </a:t>
             </a:r>
-            <a:endParaRPr lang="en-US" dirty="0"/>
           </a:p>
         </p:txBody>
       </p:sp>
@@ -1510,73 +2022,73 @@
           <a:lstStyle/>
           <a:p>
             <a:r>
-              <a:rPr lang="en-US" dirty="0" err="1" smtClean="0"/>
+              <a:rPr lang="en-US" dirty="0" err="1"/>
               <a:t>bball</a:t>
             </a:r>
             <a:r>
-              <a:rPr lang="en-US" dirty="0" smtClean="0"/>
+              <a:rPr lang="en-US" dirty="0"/>
               <a:t> %&gt;% </a:t>
             </a:r>
             <a:r>
-              <a:rPr lang="en-US" dirty="0" err="1" smtClean="0"/>
+              <a:rPr lang="en-US" dirty="0" err="1"/>
               <a:t>ggplot</a:t>
             </a:r>
             <a:r>
-              <a:rPr lang="en-US" dirty="0" smtClean="0"/>
+              <a:rPr lang="en-US" dirty="0"/>
               <a:t>(</a:t>
             </a:r>
             <a:r>
-              <a:rPr lang="en-US" dirty="0" err="1" smtClean="0"/>
+              <a:rPr lang="en-US" dirty="0" err="1"/>
               <a:t>aes</a:t>
             </a:r>
             <a:r>
-              <a:rPr lang="en-US" dirty="0" smtClean="0"/>
+              <a:rPr lang="en-US" dirty="0"/>
               <a:t>(x=height1, y=weight)) + </a:t>
             </a:r>
             <a:r>
-              <a:rPr lang="en-US" dirty="0" err="1" smtClean="0"/>
+              <a:rPr lang="en-US" dirty="0" err="1"/>
               <a:t>geom_point</a:t>
             </a:r>
             <a:r>
-              <a:rPr lang="en-US" dirty="0" smtClean="0"/>
+              <a:rPr lang="en-US" dirty="0"/>
               <a:t>() + </a:t>
             </a:r>
             <a:r>
-              <a:rPr lang="en-US" dirty="0" err="1" smtClean="0"/>
+              <a:rPr lang="en-US" dirty="0" err="1"/>
               <a:t>ggtitle</a:t>
             </a:r>
             <a:r>
-              <a:rPr lang="en-US" dirty="0" smtClean="0"/>
+              <a:rPr lang="en-US" dirty="0"/>
               <a:t>("Weight vs. Height in the NBA") +</a:t>
             </a:r>
           </a:p>
           <a:p>
             <a:r>
-              <a:rPr lang="en-US" dirty="0" smtClean="0"/>
+              <a:rPr lang="en-US" dirty="0"/>
               <a:t>  </a:t>
             </a:r>
             <a:r>
-              <a:rPr lang="en-US" dirty="0" err="1" smtClean="0"/>
+              <a:rPr lang="en-US" dirty="0" err="1"/>
               <a:t>xlab</a:t>
             </a:r>
             <a:r>
-              <a:rPr lang="en-US" dirty="0" smtClean="0"/>
+              <a:rPr lang="en-US" dirty="0"/>
               <a:t>("Height (5ft 3in to 7ft 7in)") + </a:t>
             </a:r>
             <a:r>
-              <a:rPr lang="en-US" dirty="0" err="1" smtClean="0"/>
+              <a:rPr lang="en-US" dirty="0" err="1"/>
               <a:t>ylab</a:t>
             </a:r>
             <a:r>
-              <a:rPr lang="en-US" dirty="0" smtClean="0"/>
+              <a:rPr lang="en-US" dirty="0"/>
               <a:t>("Weight (</a:t>
             </a:r>
             <a:r>
-              <a:rPr lang="en-US" dirty="0" err="1" smtClean="0"/>
+              <a:rPr lang="en-US" dirty="0" err="1"/>
               <a:t>lb</a:t>
             </a:r>
             <a:r>
-              <a:rPr lang="en-US" dirty="0" smtClean="0"/>
+              <a:rPr lang="en-US" dirty="0"/>
               <a:t>)")</a:t>
             </a:r>
           </a:p>
@@ -1666,76 +2178,75 @@
           <a:lstStyle/>
           <a:p>
             <a:r>
-              <a:rPr lang="en-US" dirty="0" err="1" smtClean="0"/>
+              <a:rPr lang="en-US" dirty="0" err="1"/>
               <a:t>bball</a:t>
             </a:r>
             <a:r>
-              <a:rPr lang="en-US" dirty="0" smtClean="0"/>
+              <a:rPr lang="en-US" dirty="0"/>
               <a:t> %&gt;% </a:t>
             </a:r>
             <a:r>
-              <a:rPr lang="en-US" dirty="0" err="1" smtClean="0"/>
+              <a:rPr lang="en-US" dirty="0" err="1"/>
               <a:t>ggplot</a:t>
             </a:r>
             <a:r>
-              <a:rPr lang="en-US" dirty="0" smtClean="0"/>
+              <a:rPr lang="en-US" dirty="0"/>
               <a:t>(</a:t>
             </a:r>
             <a:r>
-              <a:rPr lang="en-US" dirty="0" err="1" smtClean="0"/>
+              <a:rPr lang="en-US" dirty="0" err="1"/>
               <a:t>aes</a:t>
             </a:r>
             <a:r>
-              <a:rPr lang="en-US" dirty="0" smtClean="0"/>
+              <a:rPr lang="en-US" dirty="0"/>
               <a:t>(x=height1, y=weight, color=position)) + </a:t>
             </a:r>
             <a:r>
-              <a:rPr lang="en-US" dirty="0" err="1" smtClean="0"/>
+              <a:rPr lang="en-US" dirty="0" err="1"/>
               <a:t>geom_point</a:t>
             </a:r>
             <a:r>
-              <a:rPr lang="en-US" dirty="0" smtClean="0"/>
+              <a:rPr lang="en-US" dirty="0"/>
               <a:t>() + </a:t>
             </a:r>
             <a:r>
-              <a:rPr lang="en-US" dirty="0" err="1" smtClean="0"/>
+              <a:rPr lang="en-US" dirty="0" err="1"/>
               <a:t>ggtitle</a:t>
             </a:r>
             <a:r>
-              <a:rPr lang="en-US" dirty="0" smtClean="0"/>
+              <a:rPr lang="en-US" dirty="0"/>
               <a:t>("Weight vs. Height by Position in the NBA") +</a:t>
             </a:r>
           </a:p>
           <a:p>
             <a:r>
-              <a:rPr lang="en-US" dirty="0" smtClean="0"/>
+              <a:rPr lang="en-US" dirty="0"/>
               <a:t>  </a:t>
             </a:r>
             <a:r>
-              <a:rPr lang="en-US" dirty="0" err="1" smtClean="0"/>
+              <a:rPr lang="en-US" dirty="0" err="1"/>
               <a:t>xlab</a:t>
             </a:r>
             <a:r>
-              <a:rPr lang="en-US" dirty="0" smtClean="0"/>
+              <a:rPr lang="en-US" dirty="0"/>
               <a:t>("Height (5ft 3in to 7ft 7in)") + </a:t>
             </a:r>
             <a:r>
-              <a:rPr lang="en-US" dirty="0" err="1" smtClean="0"/>
+              <a:rPr lang="en-US" dirty="0" err="1"/>
               <a:t>ylab</a:t>
             </a:r>
             <a:r>
-              <a:rPr lang="en-US" dirty="0" smtClean="0"/>
+              <a:rPr lang="en-US" dirty="0"/>
               <a:t>("Weight (</a:t>
             </a:r>
             <a:r>
-              <a:rPr lang="en-US" dirty="0" err="1" smtClean="0"/>
+              <a:rPr lang="en-US" dirty="0" err="1"/>
               <a:t>lb</a:t>
             </a:r>
             <a:r>
-              <a:rPr lang="en-US" dirty="0" smtClean="0"/>
+              <a:rPr lang="en-US" dirty="0"/>
               <a:t>)")</a:t>
             </a:r>
-            <a:endParaRPr lang="en-US" dirty="0"/>
           </a:p>
         </p:txBody>
       </p:sp>
@@ -1820,167 +2331,166 @@
           <a:lstStyle/>
           <a:p>
             <a:r>
-              <a:rPr lang="en-US" dirty="0" err="1" smtClean="0"/>
+              <a:rPr lang="en-US" dirty="0" err="1"/>
               <a:t>bball</a:t>
             </a:r>
             <a:r>
-              <a:rPr lang="en-US" dirty="0" smtClean="0"/>
+              <a:rPr lang="en-US" dirty="0"/>
               <a:t> %&gt;% </a:t>
             </a:r>
             <a:r>
-              <a:rPr lang="en-US" dirty="0" err="1" smtClean="0"/>
+              <a:rPr lang="en-US" dirty="0" err="1"/>
               <a:t>ggplot</a:t>
             </a:r>
             <a:r>
-              <a:rPr lang="en-US" dirty="0" smtClean="0"/>
+              <a:rPr lang="en-US" dirty="0"/>
               <a:t>(</a:t>
             </a:r>
             <a:r>
-              <a:rPr lang="en-US" dirty="0" err="1" smtClean="0"/>
+              <a:rPr lang="en-US" dirty="0" err="1"/>
               <a:t>aes</a:t>
             </a:r>
             <a:r>
-              <a:rPr lang="en-US" dirty="0" smtClean="0"/>
+              <a:rPr lang="en-US" dirty="0"/>
               <a:t>(x=height1, y=</a:t>
             </a:r>
             <a:r>
-              <a:rPr lang="en-US" dirty="0" err="1" smtClean="0"/>
+              <a:rPr lang="en-US" dirty="0" err="1"/>
               <a:t>year_start</a:t>
             </a:r>
             <a:r>
-              <a:rPr lang="en-US" dirty="0" smtClean="0"/>
+              <a:rPr lang="en-US" dirty="0"/>
               <a:t>)) + </a:t>
             </a:r>
             <a:r>
-              <a:rPr lang="en-US" dirty="0" err="1" smtClean="0"/>
+              <a:rPr lang="en-US" dirty="0" err="1"/>
               <a:t>geom_point</a:t>
             </a:r>
             <a:r>
-              <a:rPr lang="en-US" dirty="0" smtClean="0"/>
+              <a:rPr lang="en-US" dirty="0"/>
               <a:t>() + </a:t>
             </a:r>
             <a:r>
-              <a:rPr lang="en-US" dirty="0" err="1" smtClean="0"/>
+              <a:rPr lang="en-US" dirty="0" err="1"/>
               <a:t>ggtitle</a:t>
             </a:r>
             <a:r>
-              <a:rPr lang="en-US" dirty="0" smtClean="0"/>
+              <a:rPr lang="en-US" dirty="0"/>
               <a:t>("Height vs. Starting Year in the NBA") +</a:t>
             </a:r>
           </a:p>
           <a:p>
             <a:r>
-              <a:rPr lang="en-US" dirty="0" smtClean="0"/>
+              <a:rPr lang="en-US" dirty="0"/>
               <a:t>  </a:t>
             </a:r>
             <a:r>
-              <a:rPr lang="en-US" dirty="0" err="1" smtClean="0"/>
+              <a:rPr lang="en-US" dirty="0" err="1"/>
               <a:t>xlab</a:t>
             </a:r>
             <a:r>
-              <a:rPr lang="en-US" dirty="0" smtClean="0"/>
+              <a:rPr lang="en-US" dirty="0"/>
               <a:t>("Height (5ft 3in to 7ft 7in)") + </a:t>
             </a:r>
             <a:r>
-              <a:rPr lang="en-US" dirty="0" err="1" smtClean="0"/>
+              <a:rPr lang="en-US" dirty="0" err="1"/>
               <a:t>ylab</a:t>
             </a:r>
             <a:r>
-              <a:rPr lang="en-US" dirty="0" smtClean="0"/>
+              <a:rPr lang="en-US" dirty="0"/>
               <a:t>("Starting Year") + </a:t>
             </a:r>
             <a:r>
-              <a:rPr lang="en-US" dirty="0" err="1" smtClean="0"/>
+              <a:rPr lang="en-US" dirty="0" err="1"/>
               <a:t>coord_flip</a:t>
             </a:r>
             <a:r>
-              <a:rPr lang="en-US" dirty="0" smtClean="0"/>
+              <a:rPr lang="en-US" dirty="0"/>
               <a:t>()</a:t>
             </a:r>
           </a:p>
           <a:p>
-            <a:endParaRPr lang="en-US" dirty="0" smtClean="0"/>
-          </a:p>
-          <a:p>
-            <a:r>
-              <a:rPr lang="en-US" dirty="0" err="1" smtClean="0"/>
+            <a:endParaRPr lang="en-US" dirty="0"/>
+          </a:p>
+          <a:p>
+            <a:r>
+              <a:rPr lang="en-US" dirty="0" err="1"/>
               <a:t>bball</a:t>
             </a:r>
             <a:r>
-              <a:rPr lang="en-US" dirty="0" smtClean="0"/>
+              <a:rPr lang="en-US" dirty="0"/>
               <a:t> %&gt;% </a:t>
             </a:r>
             <a:r>
-              <a:rPr lang="en-US" dirty="0" err="1" smtClean="0"/>
+              <a:rPr lang="en-US" dirty="0" err="1"/>
               <a:t>ggplot</a:t>
             </a:r>
             <a:r>
-              <a:rPr lang="en-US" dirty="0" smtClean="0"/>
+              <a:rPr lang="en-US" dirty="0"/>
               <a:t>(</a:t>
             </a:r>
             <a:r>
-              <a:rPr lang="en-US" dirty="0" err="1" smtClean="0"/>
+              <a:rPr lang="en-US" dirty="0" err="1"/>
               <a:t>aes</a:t>
             </a:r>
             <a:r>
-              <a:rPr lang="en-US" dirty="0" smtClean="0"/>
+              <a:rPr lang="en-US" dirty="0"/>
               <a:t>(x=height1, y=</a:t>
             </a:r>
             <a:r>
-              <a:rPr lang="en-US" dirty="0" err="1" smtClean="0"/>
+              <a:rPr lang="en-US" dirty="0" err="1"/>
               <a:t>year_end</a:t>
             </a:r>
             <a:r>
-              <a:rPr lang="en-US" dirty="0" smtClean="0"/>
+              <a:rPr lang="en-US" dirty="0"/>
               <a:t>)) + </a:t>
             </a:r>
             <a:r>
-              <a:rPr lang="en-US" dirty="0" err="1" smtClean="0"/>
+              <a:rPr lang="en-US" dirty="0" err="1"/>
               <a:t>geom_point</a:t>
             </a:r>
             <a:r>
-              <a:rPr lang="en-US" dirty="0" smtClean="0"/>
+              <a:rPr lang="en-US" dirty="0"/>
               <a:t>() + </a:t>
             </a:r>
             <a:r>
-              <a:rPr lang="en-US" dirty="0" err="1" smtClean="0"/>
+              <a:rPr lang="en-US" dirty="0" err="1"/>
               <a:t>ggtitle</a:t>
             </a:r>
             <a:r>
-              <a:rPr lang="en-US" dirty="0" smtClean="0"/>
+              <a:rPr lang="en-US" dirty="0"/>
               <a:t>("Weight vs. Ending Year in the NBA") +</a:t>
             </a:r>
           </a:p>
           <a:p>
             <a:r>
-              <a:rPr lang="en-US" dirty="0" smtClean="0"/>
+              <a:rPr lang="en-US" dirty="0"/>
               <a:t>  </a:t>
             </a:r>
             <a:r>
-              <a:rPr lang="en-US" dirty="0" err="1" smtClean="0"/>
+              <a:rPr lang="en-US" dirty="0" err="1"/>
               <a:t>xlab</a:t>
             </a:r>
             <a:r>
-              <a:rPr lang="en-US" dirty="0" smtClean="0"/>
+              <a:rPr lang="en-US" dirty="0"/>
               <a:t>("Height (5ft 3in to 7ft 7in)") + </a:t>
             </a:r>
             <a:r>
-              <a:rPr lang="en-US" dirty="0" err="1" smtClean="0"/>
+              <a:rPr lang="en-US" dirty="0" err="1"/>
               <a:t>ylab</a:t>
             </a:r>
             <a:r>
-              <a:rPr lang="en-US" dirty="0" smtClean="0"/>
+              <a:rPr lang="en-US" dirty="0"/>
               <a:t>("Ending Year") + </a:t>
             </a:r>
             <a:r>
-              <a:rPr lang="en-US" dirty="0" err="1" smtClean="0"/>
+              <a:rPr lang="en-US" dirty="0" err="1"/>
               <a:t>coord_flip</a:t>
             </a:r>
             <a:r>
-              <a:rPr lang="en-US" dirty="0" smtClean="0"/>
+              <a:rPr lang="en-US" dirty="0"/>
               <a:t>()</a:t>
             </a:r>
-            <a:endParaRPr lang="en-US" dirty="0"/>
           </a:p>
         </p:txBody>
       </p:sp>
@@ -2064,7 +2574,104 @@
           <a:bodyPr/>
           <a:lstStyle/>
           <a:p>
-            <a:endParaRPr lang="en-US" dirty="0"/>
+            <a:r>
+              <a:rPr lang="en-US" dirty="0"/>
+              <a:t>p &lt;- </a:t>
+            </a:r>
+            <a:r>
+              <a:rPr lang="en-US" dirty="0" err="1"/>
+              <a:t>plot_ly</a:t>
+            </a:r>
+            <a:r>
+              <a:rPr lang="en-US" dirty="0"/>
+              <a:t>(</a:t>
+            </a:r>
+            <a:r>
+              <a:rPr lang="en-US" dirty="0" err="1"/>
+              <a:t>bball</a:t>
+            </a:r>
+            <a:r>
+              <a:rPr lang="en-US" dirty="0"/>
+              <a:t>, x = ~height1, y = ~weight, z = ~</a:t>
+            </a:r>
+            <a:r>
+              <a:rPr lang="en-US" dirty="0" err="1"/>
+              <a:t>year_start</a:t>
+            </a:r>
+            <a:r>
+              <a:rPr lang="en-US" dirty="0"/>
+              <a:t>, color = ~position) %&gt;%</a:t>
+            </a:r>
+          </a:p>
+          <a:p>
+            <a:r>
+              <a:rPr lang="en-US" dirty="0"/>
+              <a:t>  </a:t>
+            </a:r>
+            <a:r>
+              <a:rPr lang="en-US" dirty="0" err="1"/>
+              <a:t>add_markers</a:t>
+            </a:r>
+            <a:r>
+              <a:rPr lang="en-US" dirty="0"/>
+              <a:t>() %&gt;%</a:t>
+            </a:r>
+          </a:p>
+          <a:p>
+            <a:r>
+              <a:rPr lang="en-US" dirty="0"/>
+              <a:t>  layout(scene = list(</a:t>
+            </a:r>
+            <a:r>
+              <a:rPr lang="en-US" dirty="0" err="1"/>
+              <a:t>xaxis</a:t>
+            </a:r>
+            <a:r>
+              <a:rPr lang="en-US" dirty="0"/>
+              <a:t> = list(title = 'Height (ft-in)'),</a:t>
+            </a:r>
+          </a:p>
+          <a:p>
+            <a:r>
+              <a:rPr lang="en-US" dirty="0"/>
+              <a:t>                      </a:t>
+            </a:r>
+            <a:r>
+              <a:rPr lang="en-US" dirty="0" err="1"/>
+              <a:t>yaxis</a:t>
+            </a:r>
+            <a:r>
+              <a:rPr lang="en-US" dirty="0"/>
+              <a:t> = list(title = 'Weight (</a:t>
+            </a:r>
+            <a:r>
+              <a:rPr lang="en-US" dirty="0" err="1"/>
+              <a:t>lb</a:t>
+            </a:r>
+            <a:r>
+              <a:rPr lang="en-US" dirty="0"/>
+              <a:t>)'),</a:t>
+            </a:r>
+          </a:p>
+          <a:p>
+            <a:r>
+              <a:rPr lang="en-US" dirty="0"/>
+              <a:t>                      </a:t>
+            </a:r>
+            <a:r>
+              <a:rPr lang="en-US" dirty="0" err="1"/>
+              <a:t>zaxis</a:t>
+            </a:r>
+            <a:r>
+              <a:rPr lang="en-US" dirty="0"/>
+              <a:t> = list(title = 'Starting Year')))</a:t>
+            </a:r>
+          </a:p>
+          <a:p>
+            <a:r>
+              <a:rPr lang="en-US" dirty="0"/>
+              <a:t>p</a:t>
+            </a:r>
           </a:p>
         </p:txBody>
       </p:sp>
@@ -2095,6 +2702,167 @@
     <p:extLst>
       <p:ext uri="{BB962C8B-B14F-4D97-AF65-F5344CB8AC3E}">
         <p14:creationId xmlns:p14="http://schemas.microsoft.com/office/powerpoint/2010/main" val="435629778"/>
+      </p:ext>
+    </p:extLst>
+  </p:cSld>
+  <p:clrMapOvr>
+    <a:masterClrMapping/>
+  </p:clrMapOvr>
+</p:notes>
+</file>
+
+<file path=ppt/notesSlides/notesSlide9.xml><?xml version="1.0" encoding="utf-8"?>
+<p:notes xmlns:a="http://schemas.openxmlformats.org/drawingml/2006/main" xmlns:r="http://schemas.openxmlformats.org/officeDocument/2006/relationships" xmlns:p="http://schemas.openxmlformats.org/presentationml/2006/main">
+  <p:cSld>
+    <p:spTree>
+      <p:nvGrpSpPr>
+        <p:cNvPr id="1" name=""/>
+        <p:cNvGrpSpPr/>
+        <p:nvPr/>
+      </p:nvGrpSpPr>
+      <p:grpSpPr>
+        <a:xfrm>
+          <a:off x="0" y="0"/>
+          <a:ext cx="0" cy="0"/>
+          <a:chOff x="0" y="0"/>
+          <a:chExt cx="0" cy="0"/>
+        </a:xfrm>
+      </p:grpSpPr>
+      <p:sp>
+        <p:nvSpPr>
+          <p:cNvPr id="2" name="Slide Image Placeholder 1"/>
+          <p:cNvSpPr>
+            <a:spLocks noGrp="1" noRot="1" noChangeAspect="1"/>
+          </p:cNvSpPr>
+          <p:nvPr>
+            <p:ph type="sldImg"/>
+          </p:nvPr>
+        </p:nvSpPr>
+        <p:spPr/>
+      </p:sp>
+      <p:sp>
+        <p:nvSpPr>
+          <p:cNvPr id="3" name="Notes Placeholder 2"/>
+          <p:cNvSpPr>
+            <a:spLocks noGrp="1"/>
+          </p:cNvSpPr>
+          <p:nvPr>
+            <p:ph type="body" idx="1"/>
+          </p:nvPr>
+        </p:nvSpPr>
+        <p:spPr/>
+        <p:txBody>
+          <a:bodyPr/>
+          <a:lstStyle/>
+          <a:p>
+            <a:r>
+              <a:rPr lang="en-US" dirty="0"/>
+              <a:t>#Years in the league</a:t>
+            </a:r>
+          </a:p>
+          <a:p>
+            <a:r>
+              <a:rPr lang="en-US" dirty="0" err="1"/>
+              <a:t>bball$years</a:t>
+            </a:r>
+            <a:r>
+              <a:rPr lang="en-US" dirty="0"/>
+              <a:t>=</a:t>
+            </a:r>
+            <a:r>
+              <a:rPr lang="en-US" dirty="0" err="1"/>
+              <a:t>bball$year_end-bball$year_start</a:t>
+            </a:r>
+            <a:endParaRPr lang="en-US" dirty="0"/>
+          </a:p>
+          <a:p>
+            <a:endParaRPr lang="en-US" dirty="0"/>
+          </a:p>
+          <a:p>
+            <a:r>
+              <a:rPr lang="en-US" dirty="0" err="1"/>
+              <a:t>bball</a:t>
+            </a:r>
+            <a:r>
+              <a:rPr lang="en-US" dirty="0"/>
+              <a:t> %&gt;% </a:t>
+            </a:r>
+            <a:r>
+              <a:rPr lang="en-US" dirty="0" err="1"/>
+              <a:t>ggplot</a:t>
+            </a:r>
+            <a:r>
+              <a:rPr lang="en-US" dirty="0"/>
+              <a:t>(</a:t>
+            </a:r>
+            <a:r>
+              <a:rPr lang="en-US" dirty="0" err="1"/>
+              <a:t>aes</a:t>
+            </a:r>
+            <a:r>
+              <a:rPr lang="en-US" dirty="0"/>
+              <a:t>(</a:t>
+            </a:r>
+            <a:r>
+              <a:rPr lang="en-US" dirty="0" err="1"/>
+              <a:t>weight,years</a:t>
+            </a:r>
+            <a:r>
+              <a:rPr lang="en-US" dirty="0"/>
+              <a:t>)) + </a:t>
+            </a:r>
+            <a:r>
+              <a:rPr lang="en-US" dirty="0" err="1"/>
+              <a:t>geom_count</a:t>
+            </a:r>
+            <a:r>
+              <a:rPr lang="en-US" dirty="0"/>
+              <a:t>() + </a:t>
+            </a:r>
+          </a:p>
+          <a:p>
+            <a:r>
+              <a:rPr lang="en-US" dirty="0"/>
+              <a:t>  </a:t>
+            </a:r>
+            <a:r>
+              <a:rPr lang="en-US" dirty="0" err="1"/>
+              <a:t>ggtitle</a:t>
+            </a:r>
+            <a:r>
+              <a:rPr lang="en-US" dirty="0"/>
+              <a:t>("Counts Chart of Weight vs. Years in the NBA")</a:t>
+            </a:r>
+          </a:p>
+        </p:txBody>
+      </p:sp>
+      <p:sp>
+        <p:nvSpPr>
+          <p:cNvPr id="4" name="Slide Number Placeholder 3"/>
+          <p:cNvSpPr>
+            <a:spLocks noGrp="1"/>
+          </p:cNvSpPr>
+          <p:nvPr>
+            <p:ph type="sldNum" sz="quarter" idx="5"/>
+          </p:nvPr>
+        </p:nvSpPr>
+        <p:spPr/>
+        <p:txBody>
+          <a:bodyPr/>
+          <a:lstStyle/>
+          <a:p>
+            <a:fld id="{98ECCB3B-C95A-462C-B80B-390B504946E4}" type="slidenum">
+              <a:rPr lang="en-US" smtClean="0"/>
+              <a:t>10</a:t>
+            </a:fld>
+            <a:endParaRPr lang="en-US"/>
+          </a:p>
+        </p:txBody>
+      </p:sp>
+    </p:spTree>
+    <p:extLst>
+      <p:ext uri="{BB962C8B-B14F-4D97-AF65-F5344CB8AC3E}">
+        <p14:creationId xmlns:p14="http://schemas.microsoft.com/office/powerpoint/2010/main" val="947456347"/>
       </p:ext>
     </p:extLst>
   </p:cSld>
@@ -2146,10 +2914,9 @@
           </a:lstStyle>
           <a:p>
             <a:r>
-              <a:rPr lang="en-US" smtClean="0"/>
+              <a:rPr lang="en-US"/>
               <a:t>Click to edit Master title style</a:t>
             </a:r>
-            <a:endParaRPr lang="en-US"/>
           </a:p>
         </p:txBody>
       </p:sp>
@@ -2211,10 +2978,9 @@
           </a:lstStyle>
           <a:p>
             <a:r>
-              <a:rPr lang="en-US" smtClean="0"/>
+              <a:rPr lang="en-US"/>
               <a:t>Click to edit Master subtitle style</a:t>
             </a:r>
-            <a:endParaRPr lang="en-US"/>
           </a:p>
         </p:txBody>
       </p:sp>
@@ -2235,7 +3001,7 @@
           <a:p>
             <a:fld id="{F9E1C381-3C9D-4BD2-8C79-E7CE0027C9C2}" type="datetimeFigureOut">
               <a:rPr lang="en-US" smtClean="0"/>
-              <a:t>1/10/2020</a:t>
+              <a:t>1/11/2020</a:t>
             </a:fld>
             <a:endParaRPr lang="en-US"/>
           </a:p>
@@ -2334,10 +3100,9 @@
           <a:lstStyle/>
           <a:p>
             <a:r>
-              <a:rPr lang="en-US" smtClean="0"/>
+              <a:rPr lang="en-US"/>
               <a:t>Click to edit Master title style</a:t>
             </a:r>
-            <a:endParaRPr lang="en-US"/>
           </a:p>
         </p:txBody>
       </p:sp>
@@ -2358,38 +3123,37 @@
           <a:p>
             <a:pPr lvl="0"/>
             <a:r>
-              <a:rPr lang="en-US" smtClean="0"/>
+              <a:rPr lang="en-US"/>
               <a:t>Edit Master text styles</a:t>
             </a:r>
           </a:p>
           <a:p>
             <a:pPr lvl="1"/>
             <a:r>
-              <a:rPr lang="en-US" smtClean="0"/>
+              <a:rPr lang="en-US"/>
               <a:t>Second level</a:t>
             </a:r>
           </a:p>
           <a:p>
             <a:pPr lvl="2"/>
             <a:r>
-              <a:rPr lang="en-US" smtClean="0"/>
+              <a:rPr lang="en-US"/>
               <a:t>Third level</a:t>
             </a:r>
           </a:p>
           <a:p>
             <a:pPr lvl="3"/>
             <a:r>
-              <a:rPr lang="en-US" smtClean="0"/>
+              <a:rPr lang="en-US"/>
               <a:t>Fourth level</a:t>
             </a:r>
           </a:p>
           <a:p>
             <a:pPr lvl="4"/>
             <a:r>
-              <a:rPr lang="en-US" smtClean="0"/>
+              <a:rPr lang="en-US"/>
               <a:t>Fifth level</a:t>
             </a:r>
-            <a:endParaRPr lang="en-US"/>
           </a:p>
         </p:txBody>
       </p:sp>
@@ -2410,7 +3174,7 @@
           <a:p>
             <a:fld id="{F9E1C381-3C9D-4BD2-8C79-E7CE0027C9C2}" type="datetimeFigureOut">
               <a:rPr lang="en-US" smtClean="0"/>
-              <a:t>1/10/2020</a:t>
+              <a:t>1/11/2020</a:t>
             </a:fld>
             <a:endParaRPr lang="en-US"/>
           </a:p>
@@ -2509,10 +3273,9 @@
           <a:lstStyle/>
           <a:p>
             <a:r>
-              <a:rPr lang="en-US" smtClean="0"/>
+              <a:rPr lang="en-US"/>
               <a:t>Click to edit Master title style</a:t>
             </a:r>
-            <a:endParaRPr lang="en-US"/>
           </a:p>
         </p:txBody>
       </p:sp>
@@ -2538,38 +3301,37 @@
           <a:p>
             <a:pPr lvl="0"/>
             <a:r>
-              <a:rPr lang="en-US" smtClean="0"/>
+              <a:rPr lang="en-US"/>
               <a:t>Edit Master text styles</a:t>
             </a:r>
           </a:p>
           <a:p>
             <a:pPr lvl="1"/>
             <a:r>
-              <a:rPr lang="en-US" smtClean="0"/>
+              <a:rPr lang="en-US"/>
               <a:t>Second level</a:t>
             </a:r>
           </a:p>
           <a:p>
             <a:pPr lvl="2"/>
             <a:r>
-              <a:rPr lang="en-US" smtClean="0"/>
+              <a:rPr lang="en-US"/>
               <a:t>Third level</a:t>
             </a:r>
           </a:p>
           <a:p>
             <a:pPr lvl="3"/>
             <a:r>
-              <a:rPr lang="en-US" smtClean="0"/>
+              <a:rPr lang="en-US"/>
               <a:t>Fourth level</a:t>
             </a:r>
           </a:p>
           <a:p>
             <a:pPr lvl="4"/>
             <a:r>
-              <a:rPr lang="en-US" smtClean="0"/>
+              <a:rPr lang="en-US"/>
               <a:t>Fifth level</a:t>
             </a:r>
-            <a:endParaRPr lang="en-US"/>
           </a:p>
         </p:txBody>
       </p:sp>
@@ -2590,7 +3352,7 @@
           <a:p>
             <a:fld id="{F9E1C381-3C9D-4BD2-8C79-E7CE0027C9C2}" type="datetimeFigureOut">
               <a:rPr lang="en-US" smtClean="0"/>
-              <a:t>1/10/2020</a:t>
+              <a:t>1/11/2020</a:t>
             </a:fld>
             <a:endParaRPr lang="en-US"/>
           </a:p>
@@ -2689,10 +3451,9 @@
           <a:lstStyle/>
           <a:p>
             <a:r>
-              <a:rPr lang="en-US" smtClean="0"/>
+              <a:rPr lang="en-US"/>
               <a:t>Click to edit Master title style</a:t>
             </a:r>
-            <a:endParaRPr lang="en-US"/>
           </a:p>
         </p:txBody>
       </p:sp>
@@ -2713,38 +3474,37 @@
           <a:p>
             <a:pPr lvl="0"/>
             <a:r>
-              <a:rPr lang="en-US" smtClean="0"/>
+              <a:rPr lang="en-US"/>
               <a:t>Edit Master text styles</a:t>
             </a:r>
           </a:p>
           <a:p>
             <a:pPr lvl="1"/>
             <a:r>
-              <a:rPr lang="en-US" smtClean="0"/>
+              <a:rPr lang="en-US"/>
               <a:t>Second level</a:t>
             </a:r>
           </a:p>
           <a:p>
             <a:pPr lvl="2"/>
             <a:r>
-              <a:rPr lang="en-US" smtClean="0"/>
+              <a:rPr lang="en-US"/>
               <a:t>Third level</a:t>
             </a:r>
           </a:p>
           <a:p>
             <a:pPr lvl="3"/>
             <a:r>
-              <a:rPr lang="en-US" smtClean="0"/>
+              <a:rPr lang="en-US"/>
               <a:t>Fourth level</a:t>
             </a:r>
           </a:p>
           <a:p>
             <a:pPr lvl="4"/>
             <a:r>
-              <a:rPr lang="en-US" smtClean="0"/>
+              <a:rPr lang="en-US"/>
               <a:t>Fifth level</a:t>
             </a:r>
-            <a:endParaRPr lang="en-US"/>
           </a:p>
         </p:txBody>
       </p:sp>
@@ -2765,7 +3525,7 @@
           <a:p>
             <a:fld id="{F9E1C381-3C9D-4BD2-8C79-E7CE0027C9C2}" type="datetimeFigureOut">
               <a:rPr lang="en-US" smtClean="0"/>
-              <a:t>1/10/2020</a:t>
+              <a:t>1/11/2020</a:t>
             </a:fld>
             <a:endParaRPr lang="en-US"/>
           </a:p>
@@ -2868,10 +3628,9 @@
           </a:lstStyle>
           <a:p>
             <a:r>
-              <a:rPr lang="en-US" smtClean="0"/>
+              <a:rPr lang="en-US"/>
               <a:t>Click to edit Master title style</a:t>
             </a:r>
-            <a:endParaRPr lang="en-US"/>
           </a:p>
         </p:txBody>
       </p:sp>
@@ -2988,7 +3747,7 @@
           <a:p>
             <a:pPr lvl="0"/>
             <a:r>
-              <a:rPr lang="en-US" smtClean="0"/>
+              <a:rPr lang="en-US"/>
               <a:t>Edit Master text styles</a:t>
             </a:r>
           </a:p>
@@ -3011,7 +3770,7 @@
           <a:p>
             <a:fld id="{F9E1C381-3C9D-4BD2-8C79-E7CE0027C9C2}" type="datetimeFigureOut">
               <a:rPr lang="en-US" smtClean="0"/>
-              <a:t>1/10/2020</a:t>
+              <a:t>1/11/2020</a:t>
             </a:fld>
             <a:endParaRPr lang="en-US"/>
           </a:p>
@@ -3110,10 +3869,9 @@
           <a:lstStyle/>
           <a:p>
             <a:r>
-              <a:rPr lang="en-US" smtClean="0"/>
+              <a:rPr lang="en-US"/>
               <a:t>Click to edit Master title style</a:t>
             </a:r>
-            <a:endParaRPr lang="en-US"/>
           </a:p>
         </p:txBody>
       </p:sp>
@@ -3139,38 +3897,37 @@
           <a:p>
             <a:pPr lvl="0"/>
             <a:r>
-              <a:rPr lang="en-US" smtClean="0"/>
+              <a:rPr lang="en-US"/>
               <a:t>Edit Master text styles</a:t>
             </a:r>
           </a:p>
           <a:p>
             <a:pPr lvl="1"/>
             <a:r>
-              <a:rPr lang="en-US" smtClean="0"/>
+              <a:rPr lang="en-US"/>
               <a:t>Second level</a:t>
             </a:r>
           </a:p>
           <a:p>
             <a:pPr lvl="2"/>
             <a:r>
-              <a:rPr lang="en-US" smtClean="0"/>
+              <a:rPr lang="en-US"/>
               <a:t>Third level</a:t>
             </a:r>
           </a:p>
           <a:p>
             <a:pPr lvl="3"/>
             <a:r>
-              <a:rPr lang="en-US" smtClean="0"/>
+              <a:rPr lang="en-US"/>
               <a:t>Fourth level</a:t>
             </a:r>
           </a:p>
           <a:p>
             <a:pPr lvl="4"/>
             <a:r>
-              <a:rPr lang="en-US" smtClean="0"/>
+              <a:rPr lang="en-US"/>
               <a:t>Fifth level</a:t>
             </a:r>
-            <a:endParaRPr lang="en-US"/>
           </a:p>
         </p:txBody>
       </p:sp>
@@ -3196,38 +3953,37 @@
           <a:p>
             <a:pPr lvl="0"/>
             <a:r>
-              <a:rPr lang="en-US" smtClean="0"/>
+              <a:rPr lang="en-US"/>
               <a:t>Edit Master text styles</a:t>
             </a:r>
           </a:p>
           <a:p>
             <a:pPr lvl="1"/>
             <a:r>
-              <a:rPr lang="en-US" smtClean="0"/>
+              <a:rPr lang="en-US"/>
               <a:t>Second level</a:t>
             </a:r>
           </a:p>
           <a:p>
             <a:pPr lvl="2"/>
             <a:r>
-              <a:rPr lang="en-US" smtClean="0"/>
+              <a:rPr lang="en-US"/>
               <a:t>Third level</a:t>
             </a:r>
           </a:p>
           <a:p>
             <a:pPr lvl="3"/>
             <a:r>
-              <a:rPr lang="en-US" smtClean="0"/>
+              <a:rPr lang="en-US"/>
               <a:t>Fourth level</a:t>
             </a:r>
           </a:p>
           <a:p>
             <a:pPr lvl="4"/>
             <a:r>
-              <a:rPr lang="en-US" smtClean="0"/>
+              <a:rPr lang="en-US"/>
               <a:t>Fifth level</a:t>
             </a:r>
-            <a:endParaRPr lang="en-US"/>
           </a:p>
         </p:txBody>
       </p:sp>
@@ -3248,7 +4004,7 @@
           <a:p>
             <a:fld id="{F9E1C381-3C9D-4BD2-8C79-E7CE0027C9C2}" type="datetimeFigureOut">
               <a:rPr lang="en-US" smtClean="0"/>
-              <a:t>1/10/2020</a:t>
+              <a:t>1/11/2020</a:t>
             </a:fld>
             <a:endParaRPr lang="en-US"/>
           </a:p>
@@ -3347,10 +4103,9 @@
           <a:lstStyle/>
           <a:p>
             <a:r>
-              <a:rPr lang="en-US" smtClean="0"/>
+              <a:rPr lang="en-US"/>
               <a:t>Click to edit Master title style</a:t>
             </a:r>
-            <a:endParaRPr lang="en-US"/>
           </a:p>
         </p:txBody>
       </p:sp>
@@ -3413,7 +4168,7 @@
           <a:p>
             <a:pPr lvl="0"/>
             <a:r>
-              <a:rPr lang="en-US" smtClean="0"/>
+              <a:rPr lang="en-US"/>
               <a:t>Edit Master text styles</a:t>
             </a:r>
           </a:p>
@@ -3441,38 +4196,37 @@
           <a:p>
             <a:pPr lvl="0"/>
             <a:r>
-              <a:rPr lang="en-US" smtClean="0"/>
+              <a:rPr lang="en-US"/>
               <a:t>Edit Master text styles</a:t>
             </a:r>
           </a:p>
           <a:p>
             <a:pPr lvl="1"/>
             <a:r>
-              <a:rPr lang="en-US" smtClean="0"/>
+              <a:rPr lang="en-US"/>
               <a:t>Second level</a:t>
             </a:r>
           </a:p>
           <a:p>
             <a:pPr lvl="2"/>
             <a:r>
-              <a:rPr lang="en-US" smtClean="0"/>
+              <a:rPr lang="en-US"/>
               <a:t>Third level</a:t>
             </a:r>
           </a:p>
           <a:p>
             <a:pPr lvl="3"/>
             <a:r>
-              <a:rPr lang="en-US" smtClean="0"/>
+              <a:rPr lang="en-US"/>
               <a:t>Fourth level</a:t>
             </a:r>
           </a:p>
           <a:p>
             <a:pPr lvl="4"/>
             <a:r>
-              <a:rPr lang="en-US" smtClean="0"/>
+              <a:rPr lang="en-US"/>
               <a:t>Fifth level</a:t>
             </a:r>
-            <a:endParaRPr lang="en-US"/>
           </a:p>
         </p:txBody>
       </p:sp>
@@ -3535,7 +4289,7 @@
           <a:p>
             <a:pPr lvl="0"/>
             <a:r>
-              <a:rPr lang="en-US" smtClean="0"/>
+              <a:rPr lang="en-US"/>
               <a:t>Edit Master text styles</a:t>
             </a:r>
           </a:p>
@@ -3563,38 +4317,37 @@
           <a:p>
             <a:pPr lvl="0"/>
             <a:r>
-              <a:rPr lang="en-US" smtClean="0"/>
+              <a:rPr lang="en-US"/>
               <a:t>Edit Master text styles</a:t>
             </a:r>
           </a:p>
           <a:p>
             <a:pPr lvl="1"/>
             <a:r>
-              <a:rPr lang="en-US" smtClean="0"/>
+              <a:rPr lang="en-US"/>
               <a:t>Second level</a:t>
             </a:r>
           </a:p>
           <a:p>
             <a:pPr lvl="2"/>
             <a:r>
-              <a:rPr lang="en-US" smtClean="0"/>
+              <a:rPr lang="en-US"/>
               <a:t>Third level</a:t>
             </a:r>
           </a:p>
           <a:p>
             <a:pPr lvl="3"/>
             <a:r>
-              <a:rPr lang="en-US" smtClean="0"/>
+              <a:rPr lang="en-US"/>
               <a:t>Fourth level</a:t>
             </a:r>
           </a:p>
           <a:p>
             <a:pPr lvl="4"/>
             <a:r>
-              <a:rPr lang="en-US" smtClean="0"/>
+              <a:rPr lang="en-US"/>
               <a:t>Fifth level</a:t>
             </a:r>
-            <a:endParaRPr lang="en-US"/>
           </a:p>
         </p:txBody>
       </p:sp>
@@ -3615,7 +4368,7 @@
           <a:p>
             <a:fld id="{F9E1C381-3C9D-4BD2-8C79-E7CE0027C9C2}" type="datetimeFigureOut">
               <a:rPr lang="en-US" smtClean="0"/>
-              <a:t>1/10/2020</a:t>
+              <a:t>1/11/2020</a:t>
             </a:fld>
             <a:endParaRPr lang="en-US"/>
           </a:p>
@@ -3709,10 +4462,9 @@
           <a:lstStyle/>
           <a:p>
             <a:r>
-              <a:rPr lang="en-US" smtClean="0"/>
+              <a:rPr lang="en-US"/>
               <a:t>Click to edit Master title style</a:t>
             </a:r>
-            <a:endParaRPr lang="en-US"/>
           </a:p>
         </p:txBody>
       </p:sp>
@@ -3733,7 +4485,7 @@
           <a:p>
             <a:fld id="{F9E1C381-3C9D-4BD2-8C79-E7CE0027C9C2}" type="datetimeFigureOut">
               <a:rPr lang="en-US" smtClean="0"/>
-              <a:t>1/10/2020</a:t>
+              <a:t>1/11/2020</a:t>
             </a:fld>
             <a:endParaRPr lang="en-US"/>
           </a:p>
@@ -3828,7 +4580,7 @@
           <a:p>
             <a:fld id="{F9E1C381-3C9D-4BD2-8C79-E7CE0027C9C2}" type="datetimeFigureOut">
               <a:rPr lang="en-US" smtClean="0"/>
-              <a:t>1/10/2020</a:t>
+              <a:t>1/11/2020</a:t>
             </a:fld>
             <a:endParaRPr lang="en-US"/>
           </a:p>
@@ -3931,10 +4683,9 @@
           </a:lstStyle>
           <a:p>
             <a:r>
-              <a:rPr lang="en-US" smtClean="0"/>
+              <a:rPr lang="en-US"/>
               <a:t>Click to edit Master title style</a:t>
             </a:r>
-            <a:endParaRPr lang="en-US"/>
           </a:p>
         </p:txBody>
       </p:sp>
@@ -3988,38 +4739,37 @@
           <a:p>
             <a:pPr lvl="0"/>
             <a:r>
-              <a:rPr lang="en-US" smtClean="0"/>
+              <a:rPr lang="en-US"/>
               <a:t>Edit Master text styles</a:t>
             </a:r>
           </a:p>
           <a:p>
             <a:pPr lvl="1"/>
             <a:r>
-              <a:rPr lang="en-US" smtClean="0"/>
+              <a:rPr lang="en-US"/>
               <a:t>Second level</a:t>
             </a:r>
           </a:p>
           <a:p>
             <a:pPr lvl="2"/>
             <a:r>
-              <a:rPr lang="en-US" smtClean="0"/>
+              <a:rPr lang="en-US"/>
               <a:t>Third level</a:t>
             </a:r>
           </a:p>
           <a:p>
             <a:pPr lvl="3"/>
             <a:r>
-              <a:rPr lang="en-US" smtClean="0"/>
+              <a:rPr lang="en-US"/>
               <a:t>Fourth level</a:t>
             </a:r>
           </a:p>
           <a:p>
             <a:pPr lvl="4"/>
             <a:r>
-              <a:rPr lang="en-US" smtClean="0"/>
+              <a:rPr lang="en-US"/>
               <a:t>Fifth level</a:t>
             </a:r>
-            <a:endParaRPr lang="en-US"/>
           </a:p>
         </p:txBody>
       </p:sp>
@@ -4082,7 +4832,7 @@
           <a:p>
             <a:pPr lvl="0"/>
             <a:r>
-              <a:rPr lang="en-US" smtClean="0"/>
+              <a:rPr lang="en-US"/>
               <a:t>Edit Master text styles</a:t>
             </a:r>
           </a:p>
@@ -4105,7 +4855,7 @@
           <a:p>
             <a:fld id="{F9E1C381-3C9D-4BD2-8C79-E7CE0027C9C2}" type="datetimeFigureOut">
               <a:rPr lang="en-US" smtClean="0"/>
-              <a:t>1/10/2020</a:t>
+              <a:t>1/11/2020</a:t>
             </a:fld>
             <a:endParaRPr lang="en-US"/>
           </a:p>
@@ -4208,10 +4958,9 @@
           </a:lstStyle>
           <a:p>
             <a:r>
-              <a:rPr lang="en-US" smtClean="0"/>
+              <a:rPr lang="en-US"/>
               <a:t>Click to edit Master title style</a:t>
             </a:r>
-            <a:endParaRPr lang="en-US"/>
           </a:p>
         </p:txBody>
       </p:sp>
@@ -4335,7 +5084,7 @@
           <a:p>
             <a:pPr lvl="0"/>
             <a:r>
-              <a:rPr lang="en-US" smtClean="0"/>
+              <a:rPr lang="en-US"/>
               <a:t>Edit Master text styles</a:t>
             </a:r>
           </a:p>
@@ -4358,7 +5107,7 @@
           <a:p>
             <a:fld id="{F9E1C381-3C9D-4BD2-8C79-E7CE0027C9C2}" type="datetimeFigureOut">
               <a:rPr lang="en-US" smtClean="0"/>
-              <a:t>1/10/2020</a:t>
+              <a:t>1/11/2020</a:t>
             </a:fld>
             <a:endParaRPr lang="en-US"/>
           </a:p>
@@ -4467,10 +5216,9 @@
           <a:lstStyle/>
           <a:p>
             <a:r>
-              <a:rPr lang="en-US" smtClean="0"/>
+              <a:rPr lang="en-US"/>
               <a:t>Click to edit Master title style</a:t>
             </a:r>
-            <a:endParaRPr lang="en-US"/>
           </a:p>
         </p:txBody>
       </p:sp>
@@ -4501,38 +5249,37 @@
           <a:p>
             <a:pPr lvl="0"/>
             <a:r>
-              <a:rPr lang="en-US" smtClean="0"/>
+              <a:rPr lang="en-US"/>
               <a:t>Edit Master text styles</a:t>
             </a:r>
           </a:p>
           <a:p>
             <a:pPr lvl="1"/>
             <a:r>
-              <a:rPr lang="en-US" smtClean="0"/>
+              <a:rPr lang="en-US"/>
               <a:t>Second level</a:t>
             </a:r>
           </a:p>
           <a:p>
             <a:pPr lvl="2"/>
             <a:r>
-              <a:rPr lang="en-US" smtClean="0"/>
+              <a:rPr lang="en-US"/>
               <a:t>Third level</a:t>
             </a:r>
           </a:p>
           <a:p>
             <a:pPr lvl="3"/>
             <a:r>
-              <a:rPr lang="en-US" smtClean="0"/>
+              <a:rPr lang="en-US"/>
               <a:t>Fourth level</a:t>
             </a:r>
           </a:p>
           <a:p>
             <a:pPr lvl="4"/>
             <a:r>
-              <a:rPr lang="en-US" smtClean="0"/>
+              <a:rPr lang="en-US"/>
               <a:t>Fifth level</a:t>
             </a:r>
-            <a:endParaRPr lang="en-US"/>
           </a:p>
         </p:txBody>
       </p:sp>
@@ -4571,7 +5318,7 @@
           <a:p>
             <a:fld id="{F9E1C381-3C9D-4BD2-8C79-E7CE0027C9C2}" type="datetimeFigureOut">
               <a:rPr lang="en-US" smtClean="0"/>
-              <a:t>1/10/2020</a:t>
+              <a:t>1/11/2020</a:t>
             </a:fld>
             <a:endParaRPr lang="en-US"/>
           </a:p>
@@ -4997,42 +5744,40 @@
           <a:lstStyle/>
           <a:p>
             <a:r>
-              <a:rPr lang="en-US" dirty="0" smtClean="0"/>
+              <a:rPr lang="en-US" dirty="0"/>
               <a:t>DDS – For Live Session Unit 2</a:t>
             </a:r>
+          </a:p>
+        </p:txBody>
+      </p:sp>
+      <p:sp>
+        <p:nvSpPr>
+          <p:cNvPr id="3" name="Subtitle 2"/>
+          <p:cNvSpPr>
+            <a:spLocks noGrp="1"/>
+          </p:cNvSpPr>
+          <p:nvPr>
+            <p:ph type="subTitle" idx="1"/>
+          </p:nvPr>
+        </p:nvSpPr>
+        <p:spPr/>
+        <p:txBody>
+          <a:bodyPr/>
+          <a:lstStyle/>
+          <a:p>
+            <a:r>
+              <a:rPr lang="en-US" dirty="0"/>
+              <a:t>Andrew Leppla</a:t>
+            </a:r>
+          </a:p>
+          <a:p>
             <a:endParaRPr lang="en-US" dirty="0"/>
           </a:p>
-        </p:txBody>
-      </p:sp>
-      <p:sp>
-        <p:nvSpPr>
-          <p:cNvPr id="3" name="Subtitle 2"/>
-          <p:cNvSpPr>
-            <a:spLocks noGrp="1"/>
-          </p:cNvSpPr>
-          <p:nvPr>
-            <p:ph type="subTitle" idx="1"/>
-          </p:nvPr>
-        </p:nvSpPr>
-        <p:spPr/>
-        <p:txBody>
-          <a:bodyPr/>
-          <a:lstStyle/>
-          <a:p>
-            <a:r>
-              <a:rPr lang="en-US" dirty="0" smtClean="0"/>
-              <a:t>Andrew Leppla</a:t>
-            </a:r>
-          </a:p>
-          <a:p>
-            <a:endParaRPr lang="en-US" dirty="0" smtClean="0"/>
-          </a:p>
-          <a:p>
-            <a:r>
-              <a:rPr lang="en-US" dirty="0" smtClean="0"/>
+          <a:p>
+            <a:r>
+              <a:rPr lang="en-US" dirty="0"/>
               <a:t>*See Notes section below slides for R code</a:t>
             </a:r>
-            <a:endParaRPr lang="en-US" dirty="0"/>
           </a:p>
         </p:txBody>
       </p:sp>
@@ -5066,6 +5811,38 @@
           <a:chExt cx="0" cy="0"/>
         </a:xfrm>
       </p:grpSpPr>
+      <p:pic>
+        <p:nvPicPr>
+          <p:cNvPr id="20" name="Content Placeholder 19">
+            <a:extLst>
+              <a:ext uri="{FF2B5EF4-FFF2-40B4-BE49-F238E27FC236}">
+                <a16:creationId xmlns:a16="http://schemas.microsoft.com/office/drawing/2014/main" id="{9C08642D-782B-448C-93B3-270AB6F3BE86}"/>
+              </a:ext>
+            </a:extLst>
+          </p:cNvPr>
+          <p:cNvPicPr>
+            <a:picLocks noGrp="1" noChangeAspect="1"/>
+          </p:cNvPicPr>
+          <p:nvPr>
+            <p:ph idx="1"/>
+          </p:nvPr>
+        </p:nvPicPr>
+        <p:blipFill>
+          <a:blip r:embed="rId3"/>
+          <a:stretch>
+            <a:fillRect/>
+          </a:stretch>
+        </p:blipFill>
+        <p:spPr>
+          <a:xfrm>
+            <a:off x="2167539" y="1825625"/>
+            <a:ext cx="7856922" cy="4351338"/>
+          </a:xfrm>
+          <a:prstGeom prst="rect">
+            <a:avLst/>
+          </a:prstGeom>
+        </p:spPr>
+      </p:pic>
       <p:sp>
         <p:nvSpPr>
           <p:cNvPr id="2" name="Title 1"/>
@@ -5084,37 +5861,88 @@
           <a:lstStyle/>
           <a:p>
             <a:r>
-              <a:rPr lang="en-US" sz="3200" dirty="0" smtClean="0">
-                <a:solidFill>
-                  <a:srgbClr val="FF0000"/>
-                </a:solidFill>
-              </a:rPr>
-              <a:t>Go to this website and use one of the 50 best plots to visualize some aspect of the data and provide at least one insight</a:t>
-            </a:r>
-            <a:endParaRPr lang="en-US" sz="3200" dirty="0">
-              <a:solidFill>
-                <a:srgbClr val="FF0000"/>
-              </a:solidFill>
-            </a:endParaRPr>
-          </a:p>
-        </p:txBody>
-      </p:sp>
-      <p:sp>
-        <p:nvSpPr>
-          <p:cNvPr id="3" name="Content Placeholder 2"/>
-          <p:cNvSpPr>
-            <a:spLocks noGrp="1"/>
-          </p:cNvSpPr>
-          <p:nvPr>
-            <p:ph idx="1"/>
-          </p:nvPr>
-        </p:nvSpPr>
-        <p:spPr/>
-        <p:txBody>
-          <a:bodyPr/>
-          <a:lstStyle/>
-          <a:p>
-            <a:endParaRPr lang="en-US" dirty="0"/>
+              <a:rPr lang="en-US" sz="2800" dirty="0"/>
+              <a:t>There may be an interesting boundary trend where increasing weight over 250 lb. is correlated with a decrease in max years in the NBA (limited sample size).  There is one notable outlier, Shaq!     </a:t>
+            </a:r>
+          </a:p>
+        </p:txBody>
+      </p:sp>
+      <p:cxnSp>
+        <p:nvCxnSpPr>
+          <p:cNvPr id="6" name="Straight Connector 5">
+            <a:extLst>
+              <a:ext uri="{FF2B5EF4-FFF2-40B4-BE49-F238E27FC236}">
+                <a16:creationId xmlns:a16="http://schemas.microsoft.com/office/drawing/2014/main" id="{35A893AF-D86B-4A67-BB4B-F5DB63B42C08}"/>
+              </a:ext>
+            </a:extLst>
+          </p:cNvPr>
+          <p:cNvCxnSpPr>
+            <a:cxnSpLocks/>
+          </p:cNvCxnSpPr>
+          <p:nvPr/>
+        </p:nvCxnSpPr>
+        <p:spPr>
+          <a:xfrm>
+            <a:off x="6157695" y="2743201"/>
+            <a:ext cx="2597834" cy="2873740"/>
+          </a:xfrm>
+          <a:prstGeom prst="line">
+            <a:avLst/>
+          </a:prstGeom>
+          <a:ln w="28575">
+            <a:solidFill>
+              <a:srgbClr val="FF0000"/>
+            </a:solidFill>
+            <a:prstDash val="sysDash"/>
+          </a:ln>
+        </p:spPr>
+        <p:style>
+          <a:lnRef idx="1">
+            <a:schemeClr val="accent1"/>
+          </a:lnRef>
+          <a:fillRef idx="0">
+            <a:schemeClr val="accent1"/>
+          </a:fillRef>
+          <a:effectRef idx="0">
+            <a:schemeClr val="accent1"/>
+          </a:effectRef>
+          <a:fontRef idx="minor">
+            <a:schemeClr val="tx1"/>
+          </a:fontRef>
+        </p:style>
+      </p:cxnSp>
+      <p:sp>
+        <p:nvSpPr>
+          <p:cNvPr id="23" name="TextBox 22">
+            <a:extLst>
+              <a:ext uri="{FF2B5EF4-FFF2-40B4-BE49-F238E27FC236}">
+                <a16:creationId xmlns:a16="http://schemas.microsoft.com/office/drawing/2014/main" id="{8DDA1A3C-4E62-47F2-8269-12BDF52B3C2B}"/>
+              </a:ext>
+            </a:extLst>
+          </p:cNvPr>
+          <p:cNvSpPr txBox="1"/>
+          <p:nvPr/>
+        </p:nvSpPr>
+        <p:spPr>
+          <a:xfrm>
+            <a:off x="7817224" y="2621151"/>
+            <a:ext cx="938305" cy="369332"/>
+          </a:xfrm>
+          <a:prstGeom prst="rect">
+            <a:avLst/>
+          </a:prstGeom>
+          <a:noFill/>
+        </p:spPr>
+        <p:txBody>
+          <a:bodyPr wrap="square" rtlCol="0">
+            <a:spAutoFit/>
+          </a:bodyPr>
+          <a:lstStyle/>
+          <a:p>
+            <a:r>
+              <a:rPr lang="en-US" dirty="0"/>
+              <a:t>Shaq</a:t>
+            </a:r>
           </a:p>
         </p:txBody>
       </p:sp>
@@ -5166,42 +5994,21 @@
           <a:lstStyle/>
           <a:p>
             <a:r>
-              <a:rPr lang="en-US" sz="3600" dirty="0" smtClean="0"/>
+              <a:rPr lang="en-US" sz="3600" dirty="0"/>
               <a:t>Median income appears to increase with Education Level   </a:t>
             </a:r>
-            <a:endParaRPr lang="en-US" sz="3600" dirty="0"/>
           </a:p>
         </p:txBody>
       </p:sp>
       <p:pic>
         <p:nvPicPr>
-          <p:cNvPr id="6" name="Content Placeholder 5"/>
-          <p:cNvPicPr>
-            <a:picLocks noGrp="1" noChangeAspect="1"/>
-          </p:cNvPicPr>
-          <p:nvPr>
-            <p:ph sz="half" idx="1"/>
-          </p:nvPr>
-        </p:nvPicPr>
-        <p:blipFill>
-          <a:blip r:embed="rId2"/>
-          <a:stretch>
-            <a:fillRect/>
-          </a:stretch>
-        </p:blipFill>
-        <p:spPr>
-          <a:xfrm>
-            <a:off x="838200" y="2109304"/>
-            <a:ext cx="5181600" cy="3783980"/>
-          </a:xfrm>
-          <a:prstGeom prst="rect">
-            <a:avLst/>
-          </a:prstGeom>
-        </p:spPr>
-      </p:pic>
-      <p:pic>
-        <p:nvPicPr>
-          <p:cNvPr id="11" name="Content Placeholder 10"/>
+          <p:cNvPr id="9" name="Content Placeholder 8">
+            <a:extLst>
+              <a:ext uri="{FF2B5EF4-FFF2-40B4-BE49-F238E27FC236}">
+                <a16:creationId xmlns:a16="http://schemas.microsoft.com/office/drawing/2014/main" id="{8186081E-E5D5-437E-AE0B-ED42BE353B62}"/>
+              </a:ext>
+            </a:extLst>
+          </p:cNvPr>
           <p:cNvPicPr>
             <a:picLocks noGrp="1" noChangeAspect="1"/>
           </p:cNvPicPr>
@@ -5217,8 +6024,40 @@
         </p:blipFill>
         <p:spPr>
           <a:xfrm>
-            <a:off x="6172200" y="2109304"/>
-            <a:ext cx="5181600" cy="3783980"/>
+            <a:off x="6172200" y="2483581"/>
+            <a:ext cx="5717198" cy="3349183"/>
+          </a:xfrm>
+          <a:prstGeom prst="rect">
+            <a:avLst/>
+          </a:prstGeom>
+        </p:spPr>
+      </p:pic>
+      <p:pic>
+        <p:nvPicPr>
+          <p:cNvPr id="13" name="Content Placeholder 12">
+            <a:extLst>
+              <a:ext uri="{FF2B5EF4-FFF2-40B4-BE49-F238E27FC236}">
+                <a16:creationId xmlns:a16="http://schemas.microsoft.com/office/drawing/2014/main" id="{E2CD6A6C-A8E1-490A-B6BC-A15DEACFDE77}"/>
+              </a:ext>
+            </a:extLst>
+          </p:cNvPr>
+          <p:cNvPicPr>
+            <a:picLocks noGrp="1" noChangeAspect="1"/>
+          </p:cNvPicPr>
+          <p:nvPr>
+            <p:ph sz="half" idx="1"/>
+          </p:nvPr>
+        </p:nvPicPr>
+        <p:blipFill>
+          <a:blip r:embed="rId4"/>
+          <a:stretch>
+            <a:fillRect/>
+          </a:stretch>
+        </p:blipFill>
+        <p:spPr>
+          <a:xfrm>
+            <a:off x="302602" y="2483581"/>
+            <a:ext cx="5717198" cy="3349183"/>
           </a:xfrm>
           <a:prstGeom prst="rect">
             <a:avLst/>
@@ -5271,10 +6110,9 @@
           <a:lstStyle/>
           <a:p>
             <a:r>
-              <a:rPr lang="en-US" dirty="0" smtClean="0"/>
+              <a:rPr lang="en-US" dirty="0"/>
               <a:t>Takeaways and Questions</a:t>
             </a:r>
-            <a:endParaRPr lang="en-US" dirty="0"/>
           </a:p>
         </p:txBody>
       </p:sp>
@@ -5299,71 +6137,70 @@
               <a:buNone/>
             </a:pPr>
             <a:r>
-              <a:rPr lang="en-US" dirty="0" smtClean="0"/>
+              <a:rPr lang="en-US" dirty="0"/>
               <a:t>Takeaways</a:t>
             </a:r>
           </a:p>
           <a:p>
             <a:r>
-              <a:rPr lang="en-US" dirty="0" err="1" smtClean="0"/>
+              <a:rPr lang="en-US" dirty="0" err="1"/>
               <a:t>Rstudio’s</a:t>
             </a:r>
             <a:r>
-              <a:rPr lang="en-US" dirty="0" smtClean="0"/>
+              <a:rPr lang="en-US" dirty="0"/>
               <a:t> viewer/browser didn’t work with </a:t>
             </a:r>
             <a:r>
-              <a:rPr lang="en-US" dirty="0" err="1" smtClean="0"/>
+              <a:rPr lang="en-US" dirty="0" err="1"/>
               <a:t>plotly</a:t>
             </a:r>
             <a:r>
-              <a:rPr lang="en-US" dirty="0" smtClean="0"/>
+              <a:rPr lang="en-US" dirty="0"/>
               <a:t> 3D plots.  Troubleshooting this was time consuming but educational and I now have easy workarounds.</a:t>
             </a:r>
           </a:p>
           <a:p>
             <a:r>
-              <a:rPr lang="en-US" dirty="0" smtClean="0"/>
-              <a:t>The maps package in R is awesome!  </a:t>
+              <a:rPr lang="en-US" dirty="0"/>
+              <a:t>The maps package in R is awesome!  I can’t wait to use this more.  </a:t>
             </a:r>
           </a:p>
           <a:p>
             <a:pPr marL="0" indent="0">
               <a:buNone/>
             </a:pPr>
-            <a:endParaRPr lang="en-US" dirty="0" smtClean="0"/>
+            <a:endParaRPr lang="en-US" dirty="0"/>
           </a:p>
           <a:p>
             <a:pPr marL="0" indent="0">
               <a:buNone/>
             </a:pPr>
             <a:r>
-              <a:rPr lang="en-US" dirty="0" smtClean="0"/>
+              <a:rPr lang="en-US" dirty="0"/>
               <a:t>Questions</a:t>
             </a:r>
           </a:p>
           <a:p>
             <a:r>
-              <a:rPr lang="en-US" dirty="0" smtClean="0"/>
+              <a:rPr lang="en-US" dirty="0"/>
               <a:t>Is there a way to plot histogram distributions in </a:t>
             </a:r>
             <a:r>
-              <a:rPr lang="en-US" dirty="0" err="1" smtClean="0"/>
+              <a:rPr lang="en-US" dirty="0" err="1"/>
               <a:t>ggplot</a:t>
             </a:r>
             <a:r>
-              <a:rPr lang="en-US" dirty="0" smtClean="0"/>
+              <a:rPr lang="en-US" dirty="0"/>
               <a:t> with proportion rather than count?  The only thing I could find was </a:t>
             </a:r>
             <a:r>
-              <a:rPr lang="en-US" dirty="0" err="1" smtClean="0"/>
+              <a:rPr lang="en-US" dirty="0" err="1"/>
               <a:t>geom_density</a:t>
             </a:r>
             <a:r>
-              <a:rPr lang="en-US" dirty="0" smtClean="0"/>
+              <a:rPr lang="en-US" dirty="0"/>
               <a:t> which smooths the distribution.  There may be something buried in the stat option as well that I didn’t see.</a:t>
             </a:r>
-            <a:endParaRPr lang="en-US" dirty="0"/>
           </a:p>
         </p:txBody>
       </p:sp>
@@ -5414,23 +6251,15 @@
           </a:bodyPr>
           <a:lstStyle/>
           <a:p>
-            <a:r>
-              <a:rPr lang="en-US" sz="3600" dirty="0" smtClean="0"/>
-              <a:t/>
-            </a:r>
             <a:br>
-              <a:rPr lang="en-US" sz="3600" dirty="0" smtClean="0"/>
+              <a:rPr lang="en-US" sz="3600" dirty="0"/>
             </a:br>
             <a:r>
-              <a:rPr lang="en-US" sz="3600" dirty="0" smtClean="0"/>
+              <a:rPr lang="en-US" sz="3600" dirty="0"/>
               <a:t>Problem - Use the PlayerBBall.csv dataset to visually represent (summarize) the number of players in each position. </a:t>
             </a:r>
-            <a:r>
-              <a:rPr lang="en-US" dirty="0" smtClean="0"/>
-              <a:t/>
-            </a:r>
             <a:br>
-              <a:rPr lang="en-US" dirty="0" smtClean="0"/>
+              <a:rPr lang="en-US" dirty="0"/>
             </a:br>
             <a:endParaRPr lang="en-US" dirty="0"/>
           </a:p>
@@ -5510,10 +6339,9 @@
           <a:lstStyle/>
           <a:p>
             <a:r>
-              <a:rPr lang="en-US" sz="3200" dirty="0" smtClean="0"/>
+              <a:rPr lang="en-US" sz="3200" dirty="0"/>
               <a:t>Centers appear to have a marginally greater weight distribution than Forwards in the NBA, but this is likely not significant due to the major overlap in the distributions</a:t>
             </a:r>
-            <a:endParaRPr lang="en-US" sz="3200" dirty="0"/>
           </a:p>
         </p:txBody>
       </p:sp>
@@ -5592,21 +6420,8 @@
           <a:p>
             <a:r>
               <a:rPr lang="en-US" sz="2800" dirty="0"/>
-              <a:t>Centers appear to have a </a:t>
-            </a:r>
-            <a:r>
-              <a:rPr lang="en-US" sz="2800" dirty="0" smtClean="0"/>
-              <a:t>greater height </a:t>
-            </a:r>
-            <a:r>
-              <a:rPr lang="en-US" sz="2800" dirty="0"/>
-              <a:t>distribution than Forwards in the </a:t>
-            </a:r>
-            <a:r>
-              <a:rPr lang="en-US" sz="2800" dirty="0" smtClean="0"/>
-              <a:t>NBA, although there is some overlap between them.</a:t>
-            </a:r>
-            <a:endParaRPr lang="en-US" sz="2800" dirty="0"/>
+              <a:t>Centers appear to have a greater height distribution than Forwards in the NBA, although there is some overlap between them.</a:t>
+            </a:r>
           </a:p>
         </p:txBody>
       </p:sp>
@@ -5684,10 +6499,9 @@
           <a:lstStyle/>
           <a:p>
             <a:r>
-              <a:rPr lang="en-US" sz="3200" dirty="0" smtClean="0"/>
+              <a:rPr lang="en-US" sz="3200" dirty="0"/>
               <a:t>Height distributions appear to be different for some positions in the NBA.  The shortest are Guards and the tallest are Centers, as expected.</a:t>
             </a:r>
-            <a:endParaRPr lang="en-US" sz="3200" dirty="0"/>
           </a:p>
         </p:txBody>
       </p:sp>
@@ -5765,10 +6579,9 @@
           <a:lstStyle/>
           <a:p>
             <a:r>
-              <a:rPr lang="en-US" dirty="0" smtClean="0"/>
+              <a:rPr lang="en-US" dirty="0"/>
               <a:t>Weight and height are positively correlated – as height increases, weight increases, and vice versa</a:t>
             </a:r>
-            <a:endParaRPr lang="en-US" dirty="0"/>
           </a:p>
         </p:txBody>
       </p:sp>
@@ -5844,10 +6657,9 @@
           <a:lstStyle/>
           <a:p>
             <a:r>
-              <a:rPr lang="en-US" dirty="0" smtClean="0"/>
+              <a:rPr lang="en-US" dirty="0"/>
               <a:t>Centers do not follow the weight vs. height trend (flatter line)</a:t>
             </a:r>
-            <a:endParaRPr lang="en-US" dirty="0"/>
           </a:p>
         </p:txBody>
       </p:sp>
@@ -5923,10 +6735,9 @@
           <a:lstStyle/>
           <a:p>
             <a:r>
-              <a:rPr lang="en-US" dirty="0" smtClean="0"/>
+              <a:rPr lang="en-US" dirty="0"/>
               <a:t>No evidence to suggest that NBA players are getting taller over time</a:t>
             </a:r>
-            <a:endParaRPr lang="en-US" dirty="0"/>
           </a:p>
         </p:txBody>
       </p:sp>
@@ -6030,10 +6841,9 @@
           <a:lstStyle/>
           <a:p>
             <a:r>
-              <a:rPr lang="en-US" sz="4000" dirty="0" smtClean="0"/>
+              <a:rPr lang="en-US" sz="4000" dirty="0"/>
               <a:t>Create a 3D plot of height vs. weight vs. year and color code the points by position. </a:t>
             </a:r>
-            <a:endParaRPr lang="en-US" sz="4000" dirty="0"/>
           </a:p>
         </p:txBody>
       </p:sp>
